--- a/plots/drug_discovery.pptx
+++ b/plots/drug_discovery.pptx
@@ -121,2678 +121,6 @@
     </p:ext>
   </p:extLst>
 </p:presentation>
-</file>
-
-<file path=ppt/diagrams/colors1.xml><?xml version="1.0" encoding="utf-8"?>
-<dgm:colorsDef xmlns:dgm="http://schemas.openxmlformats.org/drawingml/2006/diagram" xmlns:a="http://schemas.openxmlformats.org/drawingml/2006/main" uniqueId="urn:microsoft.com/office/officeart/2005/8/colors/accent1_2">
-  <dgm:title val=""/>
-  <dgm:desc val=""/>
-  <dgm:catLst>
-    <dgm:cat type="accent1" pri="11200"/>
-  </dgm:catLst>
-  <dgm:styleLbl name="node0">
-    <dgm:fillClrLst meth="repeat">
-      <a:schemeClr val="accent1"/>
-    </dgm:fillClrLst>
-    <dgm:linClrLst meth="repeat">
-      <a:schemeClr val="lt1"/>
-    </dgm:linClrLst>
-    <dgm:effectClrLst/>
-    <dgm:txLinClrLst/>
-    <dgm:txFillClrLst/>
-    <dgm:txEffectClrLst/>
-  </dgm:styleLbl>
-  <dgm:styleLbl name="alignNode1">
-    <dgm:fillClrLst meth="repeat">
-      <a:schemeClr val="accent1"/>
-    </dgm:fillClrLst>
-    <dgm:linClrLst meth="repeat">
-      <a:schemeClr val="accent1"/>
-    </dgm:linClrLst>
-    <dgm:effectClrLst/>
-    <dgm:txLinClrLst/>
-    <dgm:txFillClrLst/>
-    <dgm:txEffectClrLst/>
-  </dgm:styleLbl>
-  <dgm:styleLbl name="node1">
-    <dgm:fillClrLst meth="repeat">
-      <a:schemeClr val="accent1"/>
-    </dgm:fillClrLst>
-    <dgm:linClrLst meth="repeat">
-      <a:schemeClr val="lt1"/>
-    </dgm:linClrLst>
-    <dgm:effectClrLst/>
-    <dgm:txLinClrLst/>
-    <dgm:txFillClrLst/>
-    <dgm:txEffectClrLst/>
-  </dgm:styleLbl>
-  <dgm:styleLbl name="lnNode1">
-    <dgm:fillClrLst meth="repeat">
-      <a:schemeClr val="accent1"/>
-    </dgm:fillClrLst>
-    <dgm:linClrLst meth="repeat">
-      <a:schemeClr val="lt1"/>
-    </dgm:linClrLst>
-    <dgm:effectClrLst/>
-    <dgm:txLinClrLst/>
-    <dgm:txFillClrLst/>
-    <dgm:txEffectClrLst/>
-  </dgm:styleLbl>
-  <dgm:styleLbl name="vennNode1">
-    <dgm:fillClrLst meth="repeat">
-      <a:schemeClr val="accent1">
-        <a:alpha val="50000"/>
-      </a:schemeClr>
-    </dgm:fillClrLst>
-    <dgm:linClrLst meth="repeat">
-      <a:schemeClr val="lt1"/>
-    </dgm:linClrLst>
-    <dgm:effectClrLst/>
-    <dgm:txLinClrLst/>
-    <dgm:txFillClrLst/>
-    <dgm:txEffectClrLst/>
-  </dgm:styleLbl>
-  <dgm:styleLbl name="node2">
-    <dgm:fillClrLst meth="repeat">
-      <a:schemeClr val="accent1"/>
-    </dgm:fillClrLst>
-    <dgm:linClrLst meth="repeat">
-      <a:schemeClr val="lt1"/>
-    </dgm:linClrLst>
-    <dgm:effectClrLst/>
-    <dgm:txLinClrLst/>
-    <dgm:txFillClrLst/>
-    <dgm:txEffectClrLst/>
-  </dgm:styleLbl>
-  <dgm:styleLbl name="node3">
-    <dgm:fillClrLst meth="repeat">
-      <a:schemeClr val="accent1"/>
-    </dgm:fillClrLst>
-    <dgm:linClrLst meth="repeat">
-      <a:schemeClr val="lt1"/>
-    </dgm:linClrLst>
-    <dgm:effectClrLst/>
-    <dgm:txLinClrLst/>
-    <dgm:txFillClrLst/>
-    <dgm:txEffectClrLst/>
-  </dgm:styleLbl>
-  <dgm:styleLbl name="node4">
-    <dgm:fillClrLst meth="repeat">
-      <a:schemeClr val="accent1"/>
-    </dgm:fillClrLst>
-    <dgm:linClrLst meth="repeat">
-      <a:schemeClr val="lt1"/>
-    </dgm:linClrLst>
-    <dgm:effectClrLst/>
-    <dgm:txLinClrLst/>
-    <dgm:txFillClrLst/>
-    <dgm:txEffectClrLst/>
-  </dgm:styleLbl>
-  <dgm:styleLbl name="fgImgPlace1">
-    <dgm:fillClrLst meth="repeat">
-      <a:schemeClr val="accent1">
-        <a:tint val="50000"/>
-      </a:schemeClr>
-    </dgm:fillClrLst>
-    <dgm:linClrLst meth="repeat">
-      <a:schemeClr val="lt1"/>
-    </dgm:linClrLst>
-    <dgm:effectClrLst/>
-    <dgm:txLinClrLst/>
-    <dgm:txFillClrLst meth="repeat">
-      <a:schemeClr val="lt1"/>
-    </dgm:txFillClrLst>
-    <dgm:txEffectClrLst/>
-  </dgm:styleLbl>
-  <dgm:styleLbl name="alignImgPlace1">
-    <dgm:fillClrLst meth="repeat">
-      <a:schemeClr val="accent1">
-        <a:tint val="50000"/>
-      </a:schemeClr>
-    </dgm:fillClrLst>
-    <dgm:linClrLst meth="repeat">
-      <a:schemeClr val="lt1"/>
-    </dgm:linClrLst>
-    <dgm:effectClrLst/>
-    <dgm:txLinClrLst/>
-    <dgm:txFillClrLst meth="repeat">
-      <a:schemeClr val="lt1"/>
-    </dgm:txFillClrLst>
-    <dgm:txEffectClrLst/>
-  </dgm:styleLbl>
-  <dgm:styleLbl name="bgImgPlace1">
-    <dgm:fillClrLst meth="repeat">
-      <a:schemeClr val="accent1">
-        <a:tint val="50000"/>
-      </a:schemeClr>
-    </dgm:fillClrLst>
-    <dgm:linClrLst meth="repeat">
-      <a:schemeClr val="lt1"/>
-    </dgm:linClrLst>
-    <dgm:effectClrLst/>
-    <dgm:txLinClrLst/>
-    <dgm:txFillClrLst meth="repeat">
-      <a:schemeClr val="lt1"/>
-    </dgm:txFillClrLst>
-    <dgm:txEffectClrLst/>
-  </dgm:styleLbl>
-  <dgm:styleLbl name="sibTrans2D1">
-    <dgm:fillClrLst meth="repeat">
-      <a:schemeClr val="accent1">
-        <a:tint val="60000"/>
-      </a:schemeClr>
-    </dgm:fillClrLst>
-    <dgm:linClrLst meth="repeat">
-      <a:schemeClr val="accent1">
-        <a:tint val="60000"/>
-      </a:schemeClr>
-    </dgm:linClrLst>
-    <dgm:effectClrLst/>
-    <dgm:txLinClrLst/>
-    <dgm:txFillClrLst/>
-    <dgm:txEffectClrLst/>
-  </dgm:styleLbl>
-  <dgm:styleLbl name="fgSibTrans2D1">
-    <dgm:fillClrLst meth="repeat">
-      <a:schemeClr val="accent1">
-        <a:tint val="60000"/>
-      </a:schemeClr>
-    </dgm:fillClrLst>
-    <dgm:linClrLst meth="repeat">
-      <a:schemeClr val="accent1">
-        <a:tint val="60000"/>
-      </a:schemeClr>
-    </dgm:linClrLst>
-    <dgm:effectClrLst/>
-    <dgm:txLinClrLst/>
-    <dgm:txFillClrLst/>
-    <dgm:txEffectClrLst/>
-  </dgm:styleLbl>
-  <dgm:styleLbl name="bgSibTrans2D1">
-    <dgm:fillClrLst meth="repeat">
-      <a:schemeClr val="accent1">
-        <a:tint val="60000"/>
-      </a:schemeClr>
-    </dgm:fillClrLst>
-    <dgm:linClrLst meth="repeat">
-      <a:schemeClr val="accent1">
-        <a:tint val="60000"/>
-      </a:schemeClr>
-    </dgm:linClrLst>
-    <dgm:effectClrLst/>
-    <dgm:txLinClrLst/>
-    <dgm:txFillClrLst/>
-    <dgm:txEffectClrLst/>
-  </dgm:styleLbl>
-  <dgm:styleLbl name="sibTrans1D1">
-    <dgm:fillClrLst meth="repeat">
-      <a:schemeClr val="accent1"/>
-    </dgm:fillClrLst>
-    <dgm:linClrLst meth="repeat">
-      <a:schemeClr val="accent1"/>
-    </dgm:linClrLst>
-    <dgm:effectClrLst/>
-    <dgm:txLinClrLst/>
-    <dgm:txFillClrLst meth="repeat">
-      <a:schemeClr val="tx1"/>
-    </dgm:txFillClrLst>
-    <dgm:txEffectClrLst/>
-  </dgm:styleLbl>
-  <dgm:styleLbl name="callout">
-    <dgm:fillClrLst meth="repeat">
-      <a:schemeClr val="accent1"/>
-    </dgm:fillClrLst>
-    <dgm:linClrLst meth="repeat">
-      <a:schemeClr val="accent1">
-        <a:tint val="50000"/>
-      </a:schemeClr>
-    </dgm:linClrLst>
-    <dgm:effectClrLst/>
-    <dgm:txLinClrLst/>
-    <dgm:txFillClrLst meth="repeat">
-      <a:schemeClr val="tx1"/>
-    </dgm:txFillClrLst>
-    <dgm:txEffectClrLst/>
-  </dgm:styleLbl>
-  <dgm:styleLbl name="asst0">
-    <dgm:fillClrLst meth="repeat">
-      <a:schemeClr val="accent1"/>
-    </dgm:fillClrLst>
-    <dgm:linClrLst meth="repeat">
-      <a:schemeClr val="lt1"/>
-    </dgm:linClrLst>
-    <dgm:effectClrLst/>
-    <dgm:txLinClrLst/>
-    <dgm:txFillClrLst/>
-    <dgm:txEffectClrLst/>
-  </dgm:styleLbl>
-  <dgm:styleLbl name="asst1">
-    <dgm:fillClrLst meth="repeat">
-      <a:schemeClr val="accent1"/>
-    </dgm:fillClrLst>
-    <dgm:linClrLst meth="repeat">
-      <a:schemeClr val="lt1"/>
-    </dgm:linClrLst>
-    <dgm:effectClrLst/>
-    <dgm:txLinClrLst/>
-    <dgm:txFillClrLst/>
-    <dgm:txEffectClrLst/>
-  </dgm:styleLbl>
-  <dgm:styleLbl name="asst2">
-    <dgm:fillClrLst meth="repeat">
-      <a:schemeClr val="accent1"/>
-    </dgm:fillClrLst>
-    <dgm:linClrLst meth="repeat">
-      <a:schemeClr val="lt1"/>
-    </dgm:linClrLst>
-    <dgm:effectClrLst/>
-    <dgm:txLinClrLst/>
-    <dgm:txFillClrLst/>
-    <dgm:txEffectClrLst/>
-  </dgm:styleLbl>
-  <dgm:styleLbl name="asst3">
-    <dgm:fillClrLst meth="repeat">
-      <a:schemeClr val="accent1"/>
-    </dgm:fillClrLst>
-    <dgm:linClrLst meth="repeat">
-      <a:schemeClr val="lt1"/>
-    </dgm:linClrLst>
-    <dgm:effectClrLst/>
-    <dgm:txLinClrLst/>
-    <dgm:txFillClrLst/>
-    <dgm:txEffectClrLst/>
-  </dgm:styleLbl>
-  <dgm:styleLbl name="asst4">
-    <dgm:fillClrLst meth="repeat">
-      <a:schemeClr val="accent1"/>
-    </dgm:fillClrLst>
-    <dgm:linClrLst meth="repeat">
-      <a:schemeClr val="lt1"/>
-    </dgm:linClrLst>
-    <dgm:effectClrLst/>
-    <dgm:txLinClrLst/>
-    <dgm:txFillClrLst/>
-    <dgm:txEffectClrLst/>
-  </dgm:styleLbl>
-  <dgm:styleLbl name="parChTrans2D1">
-    <dgm:fillClrLst meth="repeat">
-      <a:schemeClr val="accent1">
-        <a:tint val="60000"/>
-      </a:schemeClr>
-    </dgm:fillClrLst>
-    <dgm:linClrLst meth="repeat">
-      <a:schemeClr val="accent1">
-        <a:tint val="60000"/>
-      </a:schemeClr>
-    </dgm:linClrLst>
-    <dgm:effectClrLst/>
-    <dgm:txLinClrLst/>
-    <dgm:txFillClrLst meth="repeat">
-      <a:schemeClr val="lt1"/>
-    </dgm:txFillClrLst>
-    <dgm:txEffectClrLst/>
-  </dgm:styleLbl>
-  <dgm:styleLbl name="parChTrans2D2">
-    <dgm:fillClrLst meth="repeat">
-      <a:schemeClr val="accent1"/>
-    </dgm:fillClrLst>
-    <dgm:linClrLst meth="repeat">
-      <a:schemeClr val="accent1"/>
-    </dgm:linClrLst>
-    <dgm:effectClrLst/>
-    <dgm:txLinClrLst/>
-    <dgm:txFillClrLst meth="repeat">
-      <a:schemeClr val="lt1"/>
-    </dgm:txFillClrLst>
-    <dgm:txEffectClrLst/>
-  </dgm:styleLbl>
-  <dgm:styleLbl name="parChTrans2D3">
-    <dgm:fillClrLst meth="repeat">
-      <a:schemeClr val="accent1"/>
-    </dgm:fillClrLst>
-    <dgm:linClrLst meth="repeat">
-      <a:schemeClr val="accent1"/>
-    </dgm:linClrLst>
-    <dgm:effectClrLst/>
-    <dgm:txLinClrLst/>
-    <dgm:txFillClrLst meth="repeat">
-      <a:schemeClr val="lt1"/>
-    </dgm:txFillClrLst>
-    <dgm:txEffectClrLst/>
-  </dgm:styleLbl>
-  <dgm:styleLbl name="parChTrans2D4">
-    <dgm:fillClrLst meth="repeat">
-      <a:schemeClr val="accent1"/>
-    </dgm:fillClrLst>
-    <dgm:linClrLst meth="repeat">
-      <a:schemeClr val="accent1"/>
-    </dgm:linClrLst>
-    <dgm:effectClrLst/>
-    <dgm:txLinClrLst/>
-    <dgm:txFillClrLst meth="repeat">
-      <a:schemeClr val="lt1"/>
-    </dgm:txFillClrLst>
-    <dgm:txEffectClrLst/>
-  </dgm:styleLbl>
-  <dgm:styleLbl name="parChTrans1D1">
-    <dgm:fillClrLst meth="repeat">
-      <a:schemeClr val="accent1"/>
-    </dgm:fillClrLst>
-    <dgm:linClrLst meth="repeat">
-      <a:schemeClr val="accent1">
-        <a:shade val="60000"/>
-      </a:schemeClr>
-    </dgm:linClrLst>
-    <dgm:effectClrLst/>
-    <dgm:txLinClrLst/>
-    <dgm:txFillClrLst meth="repeat">
-      <a:schemeClr val="tx1"/>
-    </dgm:txFillClrLst>
-    <dgm:txEffectClrLst/>
-  </dgm:styleLbl>
-  <dgm:styleLbl name="parChTrans1D2">
-    <dgm:fillClrLst meth="repeat">
-      <a:schemeClr val="accent1"/>
-    </dgm:fillClrLst>
-    <dgm:linClrLst meth="repeat">
-      <a:schemeClr val="accent1">
-        <a:shade val="60000"/>
-      </a:schemeClr>
-    </dgm:linClrLst>
-    <dgm:effectClrLst/>
-    <dgm:txLinClrLst/>
-    <dgm:txFillClrLst meth="repeat">
-      <a:schemeClr val="tx1"/>
-    </dgm:txFillClrLst>
-    <dgm:txEffectClrLst/>
-  </dgm:styleLbl>
-  <dgm:styleLbl name="parChTrans1D3">
-    <dgm:fillClrLst meth="repeat">
-      <a:schemeClr val="accent1"/>
-    </dgm:fillClrLst>
-    <dgm:linClrLst meth="repeat">
-      <a:schemeClr val="accent1">
-        <a:shade val="80000"/>
-      </a:schemeClr>
-    </dgm:linClrLst>
-    <dgm:effectClrLst/>
-    <dgm:txLinClrLst/>
-    <dgm:txFillClrLst meth="repeat">
-      <a:schemeClr val="tx1"/>
-    </dgm:txFillClrLst>
-    <dgm:txEffectClrLst/>
-  </dgm:styleLbl>
-  <dgm:styleLbl name="parChTrans1D4">
-    <dgm:fillClrLst meth="repeat">
-      <a:schemeClr val="accent1"/>
-    </dgm:fillClrLst>
-    <dgm:linClrLst meth="repeat">
-      <a:schemeClr val="accent1">
-        <a:shade val="80000"/>
-      </a:schemeClr>
-    </dgm:linClrLst>
-    <dgm:effectClrLst/>
-    <dgm:txLinClrLst/>
-    <dgm:txFillClrLst meth="repeat">
-      <a:schemeClr val="tx1"/>
-    </dgm:txFillClrLst>
-    <dgm:txEffectClrLst/>
-  </dgm:styleLbl>
-  <dgm:styleLbl name="fgAcc1">
-    <dgm:fillClrLst meth="repeat">
-      <a:schemeClr val="lt1">
-        <a:alpha val="90000"/>
-      </a:schemeClr>
-    </dgm:fillClrLst>
-    <dgm:linClrLst meth="repeat">
-      <a:schemeClr val="accent1"/>
-    </dgm:linClrLst>
-    <dgm:effectClrLst/>
-    <dgm:txLinClrLst/>
-    <dgm:txFillClrLst meth="repeat">
-      <a:schemeClr val="dk1"/>
-    </dgm:txFillClrLst>
-    <dgm:txEffectClrLst/>
-  </dgm:styleLbl>
-  <dgm:styleLbl name="conFgAcc1">
-    <dgm:fillClrLst meth="repeat">
-      <a:schemeClr val="lt1">
-        <a:alpha val="90000"/>
-      </a:schemeClr>
-    </dgm:fillClrLst>
-    <dgm:linClrLst meth="repeat">
-      <a:schemeClr val="accent1"/>
-    </dgm:linClrLst>
-    <dgm:effectClrLst/>
-    <dgm:txLinClrLst/>
-    <dgm:txFillClrLst meth="repeat">
-      <a:schemeClr val="dk1"/>
-    </dgm:txFillClrLst>
-    <dgm:txEffectClrLst/>
-  </dgm:styleLbl>
-  <dgm:styleLbl name="alignAcc1">
-    <dgm:fillClrLst meth="repeat">
-      <a:schemeClr val="lt1">
-        <a:alpha val="90000"/>
-      </a:schemeClr>
-    </dgm:fillClrLst>
-    <dgm:linClrLst meth="repeat">
-      <a:schemeClr val="accent1"/>
-    </dgm:linClrLst>
-    <dgm:effectClrLst/>
-    <dgm:txLinClrLst/>
-    <dgm:txFillClrLst meth="repeat">
-      <a:schemeClr val="dk1"/>
-    </dgm:txFillClrLst>
-    <dgm:txEffectClrLst/>
-  </dgm:styleLbl>
-  <dgm:styleLbl name="trAlignAcc1">
-    <dgm:fillClrLst meth="repeat">
-      <a:schemeClr val="lt1">
-        <a:alpha val="40000"/>
-      </a:schemeClr>
-    </dgm:fillClrLst>
-    <dgm:linClrLst meth="repeat">
-      <a:schemeClr val="accent1"/>
-    </dgm:linClrLst>
-    <dgm:effectClrLst/>
-    <dgm:txLinClrLst/>
-    <dgm:txFillClrLst meth="repeat">
-      <a:schemeClr val="dk1"/>
-    </dgm:txFillClrLst>
-    <dgm:txEffectClrLst/>
-  </dgm:styleLbl>
-  <dgm:styleLbl name="bgAcc1">
-    <dgm:fillClrLst meth="repeat">
-      <a:schemeClr val="lt1">
-        <a:alpha val="90000"/>
-      </a:schemeClr>
-    </dgm:fillClrLst>
-    <dgm:linClrLst meth="repeat">
-      <a:schemeClr val="accent1"/>
-    </dgm:linClrLst>
-    <dgm:effectClrLst/>
-    <dgm:txLinClrLst/>
-    <dgm:txFillClrLst meth="repeat">
-      <a:schemeClr val="dk1"/>
-    </dgm:txFillClrLst>
-    <dgm:txEffectClrLst/>
-  </dgm:styleLbl>
-  <dgm:styleLbl name="solidFgAcc1">
-    <dgm:fillClrLst meth="repeat">
-      <a:schemeClr val="lt1"/>
-    </dgm:fillClrLst>
-    <dgm:linClrLst meth="repeat">
-      <a:schemeClr val="accent1"/>
-    </dgm:linClrLst>
-    <dgm:effectClrLst/>
-    <dgm:txLinClrLst/>
-    <dgm:txFillClrLst meth="repeat">
-      <a:schemeClr val="dk1"/>
-    </dgm:txFillClrLst>
-    <dgm:txEffectClrLst/>
-  </dgm:styleLbl>
-  <dgm:styleLbl name="solidAlignAcc1">
-    <dgm:fillClrLst meth="repeat">
-      <a:schemeClr val="lt1"/>
-    </dgm:fillClrLst>
-    <dgm:linClrLst meth="repeat">
-      <a:schemeClr val="accent1"/>
-    </dgm:linClrLst>
-    <dgm:effectClrLst/>
-    <dgm:txLinClrLst/>
-    <dgm:txFillClrLst meth="repeat">
-      <a:schemeClr val="dk1"/>
-    </dgm:txFillClrLst>
-    <dgm:txEffectClrLst/>
-  </dgm:styleLbl>
-  <dgm:styleLbl name="solidBgAcc1">
-    <dgm:fillClrLst meth="repeat">
-      <a:schemeClr val="lt1"/>
-    </dgm:fillClrLst>
-    <dgm:linClrLst meth="repeat">
-      <a:schemeClr val="accent1"/>
-    </dgm:linClrLst>
-    <dgm:effectClrLst/>
-    <dgm:txLinClrLst/>
-    <dgm:txFillClrLst meth="repeat">
-      <a:schemeClr val="dk1"/>
-    </dgm:txFillClrLst>
-    <dgm:txEffectClrLst/>
-  </dgm:styleLbl>
-  <dgm:styleLbl name="fgAccFollowNode1">
-    <dgm:fillClrLst meth="repeat">
-      <a:schemeClr val="accent1">
-        <a:alpha val="90000"/>
-        <a:tint val="40000"/>
-      </a:schemeClr>
-    </dgm:fillClrLst>
-    <dgm:linClrLst meth="repeat">
-      <a:schemeClr val="accent1">
-        <a:alpha val="90000"/>
-        <a:tint val="40000"/>
-      </a:schemeClr>
-    </dgm:linClrLst>
-    <dgm:effectClrLst/>
-    <dgm:txLinClrLst/>
-    <dgm:txFillClrLst meth="repeat">
-      <a:schemeClr val="dk1"/>
-    </dgm:txFillClrLst>
-    <dgm:txEffectClrLst/>
-  </dgm:styleLbl>
-  <dgm:styleLbl name="alignAccFollowNode1">
-    <dgm:fillClrLst meth="repeat">
-      <a:schemeClr val="accent1">
-        <a:alpha val="90000"/>
-        <a:tint val="40000"/>
-      </a:schemeClr>
-    </dgm:fillClrLst>
-    <dgm:linClrLst meth="repeat">
-      <a:schemeClr val="accent1">
-        <a:alpha val="90000"/>
-        <a:tint val="40000"/>
-      </a:schemeClr>
-    </dgm:linClrLst>
-    <dgm:effectClrLst/>
-    <dgm:txLinClrLst/>
-    <dgm:txFillClrLst meth="repeat">
-      <a:schemeClr val="dk1"/>
-    </dgm:txFillClrLst>
-    <dgm:txEffectClrLst/>
-  </dgm:styleLbl>
-  <dgm:styleLbl name="bgAccFollowNode1">
-    <dgm:fillClrLst meth="repeat">
-      <a:schemeClr val="accent1">
-        <a:alpha val="90000"/>
-        <a:tint val="40000"/>
-      </a:schemeClr>
-    </dgm:fillClrLst>
-    <dgm:linClrLst meth="repeat">
-      <a:schemeClr val="accent1">
-        <a:alpha val="90000"/>
-        <a:tint val="40000"/>
-      </a:schemeClr>
-    </dgm:linClrLst>
-    <dgm:effectClrLst/>
-    <dgm:txLinClrLst/>
-    <dgm:txFillClrLst meth="repeat">
-      <a:schemeClr val="dk1"/>
-    </dgm:txFillClrLst>
-    <dgm:txEffectClrLst/>
-  </dgm:styleLbl>
-  <dgm:styleLbl name="fgAcc0">
-    <dgm:fillClrLst meth="repeat">
-      <a:schemeClr val="lt1">
-        <a:alpha val="90000"/>
-      </a:schemeClr>
-    </dgm:fillClrLst>
-    <dgm:linClrLst meth="repeat">
-      <a:schemeClr val="accent1"/>
-    </dgm:linClrLst>
-    <dgm:effectClrLst/>
-    <dgm:txLinClrLst/>
-    <dgm:txFillClrLst meth="repeat">
-      <a:schemeClr val="dk1"/>
-    </dgm:txFillClrLst>
-    <dgm:txEffectClrLst/>
-  </dgm:styleLbl>
-  <dgm:styleLbl name="fgAcc2">
-    <dgm:fillClrLst meth="repeat">
-      <a:schemeClr val="lt1">
-        <a:alpha val="90000"/>
-      </a:schemeClr>
-    </dgm:fillClrLst>
-    <dgm:linClrLst meth="repeat">
-      <a:schemeClr val="accent1"/>
-    </dgm:linClrLst>
-    <dgm:effectClrLst/>
-    <dgm:txLinClrLst/>
-    <dgm:txFillClrLst meth="repeat">
-      <a:schemeClr val="dk1"/>
-    </dgm:txFillClrLst>
-    <dgm:txEffectClrLst/>
-  </dgm:styleLbl>
-  <dgm:styleLbl name="fgAcc3">
-    <dgm:fillClrLst meth="repeat">
-      <a:schemeClr val="lt1">
-        <a:alpha val="90000"/>
-      </a:schemeClr>
-    </dgm:fillClrLst>
-    <dgm:linClrLst meth="repeat">
-      <a:schemeClr val="accent1"/>
-    </dgm:linClrLst>
-    <dgm:effectClrLst/>
-    <dgm:txLinClrLst/>
-    <dgm:txFillClrLst meth="repeat">
-      <a:schemeClr val="dk1"/>
-    </dgm:txFillClrLst>
-    <dgm:txEffectClrLst/>
-  </dgm:styleLbl>
-  <dgm:styleLbl name="fgAcc4">
-    <dgm:fillClrLst meth="repeat">
-      <a:schemeClr val="lt1">
-        <a:alpha val="90000"/>
-      </a:schemeClr>
-    </dgm:fillClrLst>
-    <dgm:linClrLst meth="repeat">
-      <a:schemeClr val="accent1"/>
-    </dgm:linClrLst>
-    <dgm:effectClrLst/>
-    <dgm:txLinClrLst/>
-    <dgm:txFillClrLst meth="repeat">
-      <a:schemeClr val="dk1"/>
-    </dgm:txFillClrLst>
-    <dgm:txEffectClrLst/>
-  </dgm:styleLbl>
-  <dgm:styleLbl name="bgShp">
-    <dgm:fillClrLst meth="repeat">
-      <a:schemeClr val="accent1">
-        <a:tint val="40000"/>
-      </a:schemeClr>
-    </dgm:fillClrLst>
-    <dgm:linClrLst meth="repeat">
-      <a:schemeClr val="accent1"/>
-    </dgm:linClrLst>
-    <dgm:effectClrLst/>
-    <dgm:txLinClrLst/>
-    <dgm:txFillClrLst meth="repeat">
-      <a:schemeClr val="dk1"/>
-    </dgm:txFillClrLst>
-    <dgm:txEffectClrLst/>
-  </dgm:styleLbl>
-  <dgm:styleLbl name="dkBgShp">
-    <dgm:fillClrLst meth="repeat">
-      <a:schemeClr val="accent1">
-        <a:shade val="80000"/>
-      </a:schemeClr>
-    </dgm:fillClrLst>
-    <dgm:linClrLst meth="repeat">
-      <a:schemeClr val="accent1"/>
-    </dgm:linClrLst>
-    <dgm:effectClrLst/>
-    <dgm:txLinClrLst/>
-    <dgm:txFillClrLst meth="repeat">
-      <a:schemeClr val="lt1"/>
-    </dgm:txFillClrLst>
-    <dgm:txEffectClrLst/>
-  </dgm:styleLbl>
-  <dgm:styleLbl name="trBgShp">
-    <dgm:fillClrLst meth="repeat">
-      <a:schemeClr val="accent1">
-        <a:tint val="50000"/>
-        <a:alpha val="40000"/>
-      </a:schemeClr>
-    </dgm:fillClrLst>
-    <dgm:linClrLst meth="repeat">
-      <a:schemeClr val="accent1"/>
-    </dgm:linClrLst>
-    <dgm:effectClrLst/>
-    <dgm:txLinClrLst/>
-    <dgm:txFillClrLst meth="repeat">
-      <a:schemeClr val="lt1"/>
-    </dgm:txFillClrLst>
-    <dgm:txEffectClrLst/>
-  </dgm:styleLbl>
-  <dgm:styleLbl name="fgShp">
-    <dgm:fillClrLst meth="repeat">
-      <a:schemeClr val="accent1">
-        <a:tint val="60000"/>
-      </a:schemeClr>
-    </dgm:fillClrLst>
-    <dgm:linClrLst meth="repeat">
-      <a:schemeClr val="lt1"/>
-    </dgm:linClrLst>
-    <dgm:effectClrLst/>
-    <dgm:txLinClrLst/>
-    <dgm:txFillClrLst meth="repeat">
-      <a:schemeClr val="dk1"/>
-    </dgm:txFillClrLst>
-    <dgm:txEffectClrLst/>
-  </dgm:styleLbl>
-  <dgm:styleLbl name="revTx">
-    <dgm:fillClrLst meth="repeat">
-      <a:schemeClr val="lt1">
-        <a:alpha val="0"/>
-      </a:schemeClr>
-    </dgm:fillClrLst>
-    <dgm:linClrLst meth="repeat">
-      <a:schemeClr val="dk1">
-        <a:alpha val="0"/>
-      </a:schemeClr>
-    </dgm:linClrLst>
-    <dgm:effectClrLst/>
-    <dgm:txLinClrLst/>
-    <dgm:txFillClrLst meth="repeat">
-      <a:schemeClr val="tx1"/>
-    </dgm:txFillClrLst>
-    <dgm:txEffectClrLst/>
-  </dgm:styleLbl>
-</dgm:colorsDef>
-</file>
-
-<file path=ppt/diagrams/data1.xml><?xml version="1.0" encoding="utf-8"?>
-<dgm:dataModel xmlns:dgm="http://schemas.openxmlformats.org/drawingml/2006/diagram" xmlns:a="http://schemas.openxmlformats.org/drawingml/2006/main">
-  <dgm:ptLst>
-    <dgm:pt modelId="{34FB7B4E-9778-B748-8A75-87ACA010171B}" type="doc">
-      <dgm:prSet loTypeId="urn:microsoft.com/office/officeart/2005/8/layout/chevron1" loCatId="" qsTypeId="urn:microsoft.com/office/officeart/2005/8/quickstyle/simple1" qsCatId="simple" csTypeId="urn:microsoft.com/office/officeart/2005/8/colors/accent1_2" csCatId="accent1" phldr="1"/>
-      <dgm:spPr/>
-      <dgm:t>
-        <a:bodyPr/>
-        <a:lstStyle/>
-        <a:p>
-          <a:endParaRPr lang="en-GB"/>
-        </a:p>
-      </dgm:t>
-    </dgm:pt>
-    <dgm:pt modelId="{AC8D649B-0914-8942-A27E-7DF6229E2E36}">
-      <dgm:prSet phldrT="[Text]" custT="1"/>
-      <dgm:spPr>
-        <a:solidFill>
-          <a:schemeClr val="accent5">
-            <a:alpha val="68774"/>
-          </a:schemeClr>
-        </a:solidFill>
-      </dgm:spPr>
-      <dgm:t>
-        <a:bodyPr/>
-        <a:lstStyle/>
-        <a:p>
-          <a:r>
-            <a:rPr lang="en-GB" sz="1600" dirty="0">
-              <a:latin typeface="CMU Serif Roman" panose="02000603000000000000" pitchFamily="2" charset="0"/>
-              <a:ea typeface="CMU Serif Roman" panose="02000603000000000000" pitchFamily="2" charset="0"/>
-              <a:cs typeface="CMU Serif Roman" panose="02000603000000000000" pitchFamily="2" charset="0"/>
-            </a:rPr>
-            <a:t>Target identification</a:t>
-          </a:r>
-        </a:p>
-      </dgm:t>
-    </dgm:pt>
-    <dgm:pt modelId="{0B7E3ED0-1844-DF4E-AC81-21A92A7055F3}" type="parTrans" cxnId="{61D3BE2F-5FD5-2546-A061-64731A44D301}">
-      <dgm:prSet/>
-      <dgm:spPr/>
-      <dgm:t>
-        <a:bodyPr/>
-        <a:lstStyle/>
-        <a:p>
-          <a:endParaRPr lang="en-GB"/>
-        </a:p>
-      </dgm:t>
-    </dgm:pt>
-    <dgm:pt modelId="{05B93A41-84B6-214B-8F0A-04101EDEF2A6}" type="sibTrans" cxnId="{61D3BE2F-5FD5-2546-A061-64731A44D301}">
-      <dgm:prSet/>
-      <dgm:spPr/>
-      <dgm:t>
-        <a:bodyPr/>
-        <a:lstStyle/>
-        <a:p>
-          <a:endParaRPr lang="en-GB"/>
-        </a:p>
-      </dgm:t>
-    </dgm:pt>
-    <dgm:pt modelId="{8E3A30E1-3855-564A-A7AA-AF6C8910B28B}">
-      <dgm:prSet phldrT="[Text]" custT="1"/>
-      <dgm:spPr>
-        <a:solidFill>
-          <a:srgbClr val="28C2DE"/>
-        </a:solidFill>
-      </dgm:spPr>
-      <dgm:t>
-        <a:bodyPr/>
-        <a:lstStyle/>
-        <a:p>
-          <a:r>
-            <a:rPr lang="en-GB" sz="1600" dirty="0">
-              <a:latin typeface="CMU Serif Roman" panose="02000603000000000000" pitchFamily="2" charset="0"/>
-              <a:ea typeface="CMU Serif Roman" panose="02000603000000000000" pitchFamily="2" charset="0"/>
-              <a:cs typeface="CMU Serif Roman" panose="02000603000000000000" pitchFamily="2" charset="0"/>
-            </a:rPr>
-            <a:t>Target validation</a:t>
-          </a:r>
-        </a:p>
-      </dgm:t>
-    </dgm:pt>
-    <dgm:pt modelId="{ECB2E15A-C912-5C46-90C4-4D025D5E419F}" type="parTrans" cxnId="{296682B0-0E30-3449-ACB0-92F3A6102B28}">
-      <dgm:prSet/>
-      <dgm:spPr/>
-      <dgm:t>
-        <a:bodyPr/>
-        <a:lstStyle/>
-        <a:p>
-          <a:endParaRPr lang="en-GB"/>
-        </a:p>
-      </dgm:t>
-    </dgm:pt>
-    <dgm:pt modelId="{CACE7C99-264D-6741-82B7-993715272B84}" type="sibTrans" cxnId="{296682B0-0E30-3449-ACB0-92F3A6102B28}">
-      <dgm:prSet/>
-      <dgm:spPr/>
-      <dgm:t>
-        <a:bodyPr/>
-        <a:lstStyle/>
-        <a:p>
-          <a:endParaRPr lang="en-GB"/>
-        </a:p>
-      </dgm:t>
-    </dgm:pt>
-    <dgm:pt modelId="{3B68C8D2-337E-7E4A-AFE8-C1379E391BD3}">
-      <dgm:prSet phldrT="[Text]" custT="1"/>
-      <dgm:spPr>
-        <a:solidFill>
-          <a:srgbClr val="0099AB"/>
-        </a:solidFill>
-      </dgm:spPr>
-      <dgm:t>
-        <a:bodyPr/>
-        <a:lstStyle/>
-        <a:p>
-          <a:r>
-            <a:rPr lang="en-GB" sz="1400" dirty="0">
-              <a:latin typeface="CMU Serif Roman" panose="02000603000000000000" pitchFamily="2" charset="0"/>
-              <a:ea typeface="CMU Serif Roman" panose="02000603000000000000" pitchFamily="2" charset="0"/>
-              <a:cs typeface="CMU Serif Roman" panose="02000603000000000000" pitchFamily="2" charset="0"/>
-            </a:rPr>
-            <a:t>Lead identification e.g. docking</a:t>
-          </a:r>
-        </a:p>
-      </dgm:t>
-    </dgm:pt>
-    <dgm:pt modelId="{2F6FB43B-8499-D241-9A4C-F95D6D3DB840}" type="parTrans" cxnId="{68D4FBD6-36D3-2C45-9726-C64AAD2353FC}">
-      <dgm:prSet/>
-      <dgm:spPr/>
-      <dgm:t>
-        <a:bodyPr/>
-        <a:lstStyle/>
-        <a:p>
-          <a:endParaRPr lang="en-GB"/>
-        </a:p>
-      </dgm:t>
-    </dgm:pt>
-    <dgm:pt modelId="{D4F4CBDD-93F8-7A44-9AC6-2D742087BEBD}" type="sibTrans" cxnId="{68D4FBD6-36D3-2C45-9726-C64AAD2353FC}">
-      <dgm:prSet/>
-      <dgm:spPr/>
-      <dgm:t>
-        <a:bodyPr/>
-        <a:lstStyle/>
-        <a:p>
-          <a:endParaRPr lang="en-GB"/>
-        </a:p>
-      </dgm:t>
-    </dgm:pt>
-    <dgm:pt modelId="{FC67F01A-FA00-0B41-8E98-6575CD503903}">
-      <dgm:prSet phldrT="[Text]" custT="1"/>
-      <dgm:spPr>
-        <a:solidFill>
-          <a:srgbClr val="004F71"/>
-        </a:solidFill>
-      </dgm:spPr>
-      <dgm:t>
-        <a:bodyPr/>
-        <a:lstStyle/>
-        <a:p>
-          <a:r>
-            <a:rPr lang="en-GB" sz="1400" dirty="0">
-              <a:latin typeface="CMU Serif Roman" panose="02000603000000000000" pitchFamily="2" charset="0"/>
-              <a:ea typeface="CMU Serif Roman" panose="02000603000000000000" pitchFamily="2" charset="0"/>
-              <a:cs typeface="CMU Serif Roman" panose="02000603000000000000" pitchFamily="2" charset="0"/>
-            </a:rPr>
-            <a:t>Lead optimisation e.g. free energy</a:t>
-          </a:r>
-        </a:p>
-      </dgm:t>
-    </dgm:pt>
-    <dgm:pt modelId="{3B42D7C4-D855-7A42-9502-DB0AF5EDCDA4}" type="parTrans" cxnId="{95D9A6C1-5F5B-D94B-8F3D-675BF9539CA3}">
-      <dgm:prSet/>
-      <dgm:spPr/>
-      <dgm:t>
-        <a:bodyPr/>
-        <a:lstStyle/>
-        <a:p>
-          <a:endParaRPr lang="en-GB"/>
-        </a:p>
-      </dgm:t>
-    </dgm:pt>
-    <dgm:pt modelId="{F2878477-739C-034D-8D98-33730FF748AE}" type="sibTrans" cxnId="{95D9A6C1-5F5B-D94B-8F3D-675BF9539CA3}">
-      <dgm:prSet/>
-      <dgm:spPr/>
-      <dgm:t>
-        <a:bodyPr/>
-        <a:lstStyle/>
-        <a:p>
-          <a:endParaRPr lang="en-GB"/>
-        </a:p>
-      </dgm:t>
-    </dgm:pt>
-    <dgm:pt modelId="{E91F1B72-4A91-0040-B6C8-CCCE37763948}" type="pres">
-      <dgm:prSet presAssocID="{34FB7B4E-9778-B748-8A75-87ACA010171B}" presName="Name0" presStyleCnt="0">
-        <dgm:presLayoutVars>
-          <dgm:dir/>
-          <dgm:animLvl val="lvl"/>
-          <dgm:resizeHandles val="exact"/>
-        </dgm:presLayoutVars>
-      </dgm:prSet>
-      <dgm:spPr/>
-    </dgm:pt>
-    <dgm:pt modelId="{4F2E8168-76DB-A842-94F3-49F3360450E0}" type="pres">
-      <dgm:prSet presAssocID="{AC8D649B-0914-8942-A27E-7DF6229E2E36}" presName="parTxOnly" presStyleLbl="node1" presStyleIdx="0" presStyleCnt="4" custScaleX="2000000" custScaleY="2000000">
-        <dgm:presLayoutVars>
-          <dgm:chMax val="0"/>
-          <dgm:chPref val="0"/>
-          <dgm:bulletEnabled val="1"/>
-        </dgm:presLayoutVars>
-      </dgm:prSet>
-      <dgm:spPr/>
-    </dgm:pt>
-    <dgm:pt modelId="{2409F5C9-AD01-0C41-9CEC-7D63ED3DF225}" type="pres">
-      <dgm:prSet presAssocID="{05B93A41-84B6-214B-8F0A-04101EDEF2A6}" presName="parTxOnlySpace" presStyleCnt="0"/>
-      <dgm:spPr/>
-    </dgm:pt>
-    <dgm:pt modelId="{6B87FA7A-AC61-8F4D-928A-1E8A5B6DBF00}" type="pres">
-      <dgm:prSet presAssocID="{8E3A30E1-3855-564A-A7AA-AF6C8910B28B}" presName="parTxOnly" presStyleLbl="node1" presStyleIdx="1" presStyleCnt="4" custScaleX="2000000" custScaleY="2000000">
-        <dgm:presLayoutVars>
-          <dgm:chMax val="0"/>
-          <dgm:chPref val="0"/>
-          <dgm:bulletEnabled val="1"/>
-        </dgm:presLayoutVars>
-      </dgm:prSet>
-      <dgm:spPr/>
-    </dgm:pt>
-    <dgm:pt modelId="{0DB4CD3B-6391-A74B-9BF5-7D073AABB375}" type="pres">
-      <dgm:prSet presAssocID="{CACE7C99-264D-6741-82B7-993715272B84}" presName="parTxOnlySpace" presStyleCnt="0"/>
-      <dgm:spPr/>
-    </dgm:pt>
-    <dgm:pt modelId="{1EDC6F54-20C1-FF46-AAC1-CA56D99A4FCF}" type="pres">
-      <dgm:prSet presAssocID="{3B68C8D2-337E-7E4A-AFE8-C1379E391BD3}" presName="parTxOnly" presStyleLbl="node1" presStyleIdx="2" presStyleCnt="4" custScaleX="2000000" custScaleY="2000000">
-        <dgm:presLayoutVars>
-          <dgm:chMax val="0"/>
-          <dgm:chPref val="0"/>
-          <dgm:bulletEnabled val="1"/>
-        </dgm:presLayoutVars>
-      </dgm:prSet>
-      <dgm:spPr/>
-    </dgm:pt>
-    <dgm:pt modelId="{8E8B3131-093E-404C-917C-B71CE2A47AFF}" type="pres">
-      <dgm:prSet presAssocID="{D4F4CBDD-93F8-7A44-9AC6-2D742087BEBD}" presName="parTxOnlySpace" presStyleCnt="0"/>
-      <dgm:spPr/>
-    </dgm:pt>
-    <dgm:pt modelId="{379B18EB-C9E9-9B45-9533-0195ED660D5C}" type="pres">
-      <dgm:prSet presAssocID="{FC67F01A-FA00-0B41-8E98-6575CD503903}" presName="parTxOnly" presStyleLbl="node1" presStyleIdx="3" presStyleCnt="4" custScaleX="2000000" custScaleY="2000000">
-        <dgm:presLayoutVars>
-          <dgm:chMax val="0"/>
-          <dgm:chPref val="0"/>
-          <dgm:bulletEnabled val="1"/>
-        </dgm:presLayoutVars>
-      </dgm:prSet>
-      <dgm:spPr/>
-    </dgm:pt>
-  </dgm:ptLst>
-  <dgm:cxnLst>
-    <dgm:cxn modelId="{61D3BE2F-5FD5-2546-A061-64731A44D301}" srcId="{34FB7B4E-9778-B748-8A75-87ACA010171B}" destId="{AC8D649B-0914-8942-A27E-7DF6229E2E36}" srcOrd="0" destOrd="0" parTransId="{0B7E3ED0-1844-DF4E-AC81-21A92A7055F3}" sibTransId="{05B93A41-84B6-214B-8F0A-04101EDEF2A6}"/>
-    <dgm:cxn modelId="{E5BCC268-A7CE-A14B-BC5D-3D6247DCD50D}" type="presOf" srcId="{AC8D649B-0914-8942-A27E-7DF6229E2E36}" destId="{4F2E8168-76DB-A842-94F3-49F3360450E0}" srcOrd="0" destOrd="0" presId="urn:microsoft.com/office/officeart/2005/8/layout/chevron1"/>
-    <dgm:cxn modelId="{E4D597AF-6FCD-6B4B-92AD-AB95E73237F5}" type="presOf" srcId="{FC67F01A-FA00-0B41-8E98-6575CD503903}" destId="{379B18EB-C9E9-9B45-9533-0195ED660D5C}" srcOrd="0" destOrd="0" presId="urn:microsoft.com/office/officeart/2005/8/layout/chevron1"/>
-    <dgm:cxn modelId="{296682B0-0E30-3449-ACB0-92F3A6102B28}" srcId="{34FB7B4E-9778-B748-8A75-87ACA010171B}" destId="{8E3A30E1-3855-564A-A7AA-AF6C8910B28B}" srcOrd="1" destOrd="0" parTransId="{ECB2E15A-C912-5C46-90C4-4D025D5E419F}" sibTransId="{CACE7C99-264D-6741-82B7-993715272B84}"/>
-    <dgm:cxn modelId="{95D9A6C1-5F5B-D94B-8F3D-675BF9539CA3}" srcId="{34FB7B4E-9778-B748-8A75-87ACA010171B}" destId="{FC67F01A-FA00-0B41-8E98-6575CD503903}" srcOrd="3" destOrd="0" parTransId="{3B42D7C4-D855-7A42-9502-DB0AF5EDCDA4}" sibTransId="{F2878477-739C-034D-8D98-33730FF748AE}"/>
-    <dgm:cxn modelId="{68D4FBD6-36D3-2C45-9726-C64AAD2353FC}" srcId="{34FB7B4E-9778-B748-8A75-87ACA010171B}" destId="{3B68C8D2-337E-7E4A-AFE8-C1379E391BD3}" srcOrd="2" destOrd="0" parTransId="{2F6FB43B-8499-D241-9A4C-F95D6D3DB840}" sibTransId="{D4F4CBDD-93F8-7A44-9AC6-2D742087BEBD}"/>
-    <dgm:cxn modelId="{3A2041E5-A1F2-E349-BB70-9A462EE1B94D}" type="presOf" srcId="{34FB7B4E-9778-B748-8A75-87ACA010171B}" destId="{E91F1B72-4A91-0040-B6C8-CCCE37763948}" srcOrd="0" destOrd="0" presId="urn:microsoft.com/office/officeart/2005/8/layout/chevron1"/>
-    <dgm:cxn modelId="{377E5AF0-7C17-C740-95F6-2F6621CA7CD1}" type="presOf" srcId="{8E3A30E1-3855-564A-A7AA-AF6C8910B28B}" destId="{6B87FA7A-AC61-8F4D-928A-1E8A5B6DBF00}" srcOrd="0" destOrd="0" presId="urn:microsoft.com/office/officeart/2005/8/layout/chevron1"/>
-    <dgm:cxn modelId="{FB75B8F9-384D-DE46-B8F7-851CA5762494}" type="presOf" srcId="{3B68C8D2-337E-7E4A-AFE8-C1379E391BD3}" destId="{1EDC6F54-20C1-FF46-AAC1-CA56D99A4FCF}" srcOrd="0" destOrd="0" presId="urn:microsoft.com/office/officeart/2005/8/layout/chevron1"/>
-    <dgm:cxn modelId="{6287DEC2-E477-6D48-A807-D829263AAB21}" type="presParOf" srcId="{E91F1B72-4A91-0040-B6C8-CCCE37763948}" destId="{4F2E8168-76DB-A842-94F3-49F3360450E0}" srcOrd="0" destOrd="0" presId="urn:microsoft.com/office/officeart/2005/8/layout/chevron1"/>
-    <dgm:cxn modelId="{2EEE41F9-318C-7D4C-A7FE-DD34824FA8D4}" type="presParOf" srcId="{E91F1B72-4A91-0040-B6C8-CCCE37763948}" destId="{2409F5C9-AD01-0C41-9CEC-7D63ED3DF225}" srcOrd="1" destOrd="0" presId="urn:microsoft.com/office/officeart/2005/8/layout/chevron1"/>
-    <dgm:cxn modelId="{CC101982-4864-114B-995A-95A5944BB7A8}" type="presParOf" srcId="{E91F1B72-4A91-0040-B6C8-CCCE37763948}" destId="{6B87FA7A-AC61-8F4D-928A-1E8A5B6DBF00}" srcOrd="2" destOrd="0" presId="urn:microsoft.com/office/officeart/2005/8/layout/chevron1"/>
-    <dgm:cxn modelId="{BC727DD7-4AFB-314C-A633-7E6D711CCF23}" type="presParOf" srcId="{E91F1B72-4A91-0040-B6C8-CCCE37763948}" destId="{0DB4CD3B-6391-A74B-9BF5-7D073AABB375}" srcOrd="3" destOrd="0" presId="urn:microsoft.com/office/officeart/2005/8/layout/chevron1"/>
-    <dgm:cxn modelId="{6D14F68F-EFE1-CD4B-BCCE-40979C616228}" type="presParOf" srcId="{E91F1B72-4A91-0040-B6C8-CCCE37763948}" destId="{1EDC6F54-20C1-FF46-AAC1-CA56D99A4FCF}" srcOrd="4" destOrd="0" presId="urn:microsoft.com/office/officeart/2005/8/layout/chevron1"/>
-    <dgm:cxn modelId="{D62B1F3E-FB47-AA48-89AA-9BCE81C5F408}" type="presParOf" srcId="{E91F1B72-4A91-0040-B6C8-CCCE37763948}" destId="{8E8B3131-093E-404C-917C-B71CE2A47AFF}" srcOrd="5" destOrd="0" presId="urn:microsoft.com/office/officeart/2005/8/layout/chevron1"/>
-    <dgm:cxn modelId="{80CDFFCF-C691-144B-9B34-61D8FE702921}" type="presParOf" srcId="{E91F1B72-4A91-0040-B6C8-CCCE37763948}" destId="{379B18EB-C9E9-9B45-9533-0195ED660D5C}" srcOrd="6" destOrd="0" presId="urn:microsoft.com/office/officeart/2005/8/layout/chevron1"/>
-  </dgm:cxnLst>
-  <dgm:bg/>
-  <dgm:whole/>
-  <dgm:extLst>
-    <a:ext uri="http://schemas.microsoft.com/office/drawing/2008/diagram">
-      <dsp:dataModelExt xmlns:dsp="http://schemas.microsoft.com/office/drawing/2008/diagram" relId="rId6" minVer="http://schemas.openxmlformats.org/drawingml/2006/diagram"/>
-    </a:ext>
-    <a:ext uri="{C62137D5-CB1D-491B-B009-E17868A290BF}">
-      <dgm14:recolorImg xmlns:dgm14="http://schemas.microsoft.com/office/drawing/2010/diagram" val="1"/>
-    </a:ext>
-  </dgm:extLst>
-</dgm:dataModel>
-</file>
-
-<file path=ppt/diagrams/drawing1.xml><?xml version="1.0" encoding="utf-8"?>
-<dsp:drawing xmlns:dgm="http://schemas.openxmlformats.org/drawingml/2006/diagram" xmlns:dsp="http://schemas.microsoft.com/office/drawing/2008/diagram" xmlns:a="http://schemas.openxmlformats.org/drawingml/2006/main">
-  <dsp:spTree>
-    <dsp:nvGrpSpPr>
-      <dsp:cNvPr id="0" name=""/>
-      <dsp:cNvGrpSpPr/>
-    </dsp:nvGrpSpPr>
-    <dsp:grpSpPr/>
-    <dsp:sp modelId="{4F2E8168-76DB-A842-94F3-49F3360450E0}">
-      <dsp:nvSpPr>
-        <dsp:cNvPr id="0" name=""/>
-        <dsp:cNvSpPr/>
-      </dsp:nvSpPr>
-      <dsp:spPr>
-        <a:xfrm>
-          <a:off x="1514" y="2866263"/>
-          <a:ext cx="2203038" cy="881215"/>
-        </a:xfrm>
-        <a:prstGeom prst="chevron">
-          <a:avLst/>
-        </a:prstGeom>
-        <a:solidFill>
-          <a:schemeClr val="accent5">
-            <a:alpha val="68774"/>
-          </a:schemeClr>
-        </a:solidFill>
-        <a:ln w="12700" cap="flat" cmpd="sng" algn="ctr">
-          <a:solidFill>
-            <a:schemeClr val="lt1">
-              <a:hueOff val="0"/>
-              <a:satOff val="0"/>
-              <a:lumOff val="0"/>
-              <a:alphaOff val="0"/>
-            </a:schemeClr>
-          </a:solidFill>
-          <a:prstDash val="solid"/>
-          <a:miter lim="800000"/>
-        </a:ln>
-        <a:effectLst/>
-      </dsp:spPr>
-      <dsp:style>
-        <a:lnRef idx="2">
-          <a:scrgbClr r="0" g="0" b="0"/>
-        </a:lnRef>
-        <a:fillRef idx="1">
-          <a:scrgbClr r="0" g="0" b="0"/>
-        </a:fillRef>
-        <a:effectRef idx="0">
-          <a:scrgbClr r="0" g="0" b="0"/>
-        </a:effectRef>
-        <a:fontRef idx="minor">
-          <a:schemeClr val="lt1"/>
-        </a:fontRef>
-      </dsp:style>
-      <dsp:txBody>
-        <a:bodyPr spcFirstLastPara="0" vert="horz" wrap="square" lIns="64008" tIns="21336" rIns="21336" bIns="21336" numCol="1" spcCol="1270" anchor="ctr" anchorCtr="0">
-          <a:noAutofit/>
-        </a:bodyPr>
-        <a:lstStyle/>
-        <a:p>
-          <a:pPr marL="0" lvl="0" indent="0" algn="ctr" defTabSz="711200">
-            <a:lnSpc>
-              <a:spcPct val="90000"/>
-            </a:lnSpc>
-            <a:spcBef>
-              <a:spcPct val="0"/>
-            </a:spcBef>
-            <a:spcAft>
-              <a:spcPct val="35000"/>
-            </a:spcAft>
-            <a:buNone/>
-          </a:pPr>
-          <a:r>
-            <a:rPr lang="en-GB" sz="1600" kern="1200" dirty="0">
-              <a:latin typeface="CMU Serif Roman" panose="02000603000000000000" pitchFamily="2" charset="0"/>
-              <a:ea typeface="CMU Serif Roman" panose="02000603000000000000" pitchFamily="2" charset="0"/>
-              <a:cs typeface="CMU Serif Roman" panose="02000603000000000000" pitchFamily="2" charset="0"/>
-            </a:rPr>
-            <a:t>Target identification</a:t>
-          </a:r>
-        </a:p>
-      </dsp:txBody>
-      <dsp:txXfrm>
-        <a:off x="442122" y="2866263"/>
-        <a:ext cx="1321823" cy="881215"/>
-      </dsp:txXfrm>
-    </dsp:sp>
-    <dsp:sp modelId="{6B87FA7A-AC61-8F4D-928A-1E8A5B6DBF00}">
-      <dsp:nvSpPr>
-        <dsp:cNvPr id="0" name=""/>
-        <dsp:cNvSpPr/>
-      </dsp:nvSpPr>
-      <dsp:spPr>
-        <a:xfrm>
-          <a:off x="2193537" y="2866263"/>
-          <a:ext cx="2203038" cy="881215"/>
-        </a:xfrm>
-        <a:prstGeom prst="chevron">
-          <a:avLst/>
-        </a:prstGeom>
-        <a:solidFill>
-          <a:srgbClr val="28C2DE"/>
-        </a:solidFill>
-        <a:ln w="12700" cap="flat" cmpd="sng" algn="ctr">
-          <a:solidFill>
-            <a:schemeClr val="lt1">
-              <a:hueOff val="0"/>
-              <a:satOff val="0"/>
-              <a:lumOff val="0"/>
-              <a:alphaOff val="0"/>
-            </a:schemeClr>
-          </a:solidFill>
-          <a:prstDash val="solid"/>
-          <a:miter lim="800000"/>
-        </a:ln>
-        <a:effectLst/>
-      </dsp:spPr>
-      <dsp:style>
-        <a:lnRef idx="2">
-          <a:scrgbClr r="0" g="0" b="0"/>
-        </a:lnRef>
-        <a:fillRef idx="1">
-          <a:scrgbClr r="0" g="0" b="0"/>
-        </a:fillRef>
-        <a:effectRef idx="0">
-          <a:scrgbClr r="0" g="0" b="0"/>
-        </a:effectRef>
-        <a:fontRef idx="minor">
-          <a:schemeClr val="lt1"/>
-        </a:fontRef>
-      </dsp:style>
-      <dsp:txBody>
-        <a:bodyPr spcFirstLastPara="0" vert="horz" wrap="square" lIns="64008" tIns="21336" rIns="21336" bIns="21336" numCol="1" spcCol="1270" anchor="ctr" anchorCtr="0">
-          <a:noAutofit/>
-        </a:bodyPr>
-        <a:lstStyle/>
-        <a:p>
-          <a:pPr marL="0" lvl="0" indent="0" algn="ctr" defTabSz="711200">
-            <a:lnSpc>
-              <a:spcPct val="90000"/>
-            </a:lnSpc>
-            <a:spcBef>
-              <a:spcPct val="0"/>
-            </a:spcBef>
-            <a:spcAft>
-              <a:spcPct val="35000"/>
-            </a:spcAft>
-            <a:buNone/>
-          </a:pPr>
-          <a:r>
-            <a:rPr lang="en-GB" sz="1600" kern="1200" dirty="0">
-              <a:latin typeface="CMU Serif Roman" panose="02000603000000000000" pitchFamily="2" charset="0"/>
-              <a:ea typeface="CMU Serif Roman" panose="02000603000000000000" pitchFamily="2" charset="0"/>
-              <a:cs typeface="CMU Serif Roman" panose="02000603000000000000" pitchFamily="2" charset="0"/>
-            </a:rPr>
-            <a:t>Target validation</a:t>
-          </a:r>
-        </a:p>
-      </dsp:txBody>
-      <dsp:txXfrm>
-        <a:off x="2634145" y="2866263"/>
-        <a:ext cx="1321823" cy="881215"/>
-      </dsp:txXfrm>
-    </dsp:sp>
-    <dsp:sp modelId="{1EDC6F54-20C1-FF46-AAC1-CA56D99A4FCF}">
-      <dsp:nvSpPr>
-        <dsp:cNvPr id="0" name=""/>
-        <dsp:cNvSpPr/>
-      </dsp:nvSpPr>
-      <dsp:spPr>
-        <a:xfrm>
-          <a:off x="4385560" y="2866263"/>
-          <a:ext cx="2203038" cy="881215"/>
-        </a:xfrm>
-        <a:prstGeom prst="chevron">
-          <a:avLst/>
-        </a:prstGeom>
-        <a:solidFill>
-          <a:srgbClr val="0099AB"/>
-        </a:solidFill>
-        <a:ln w="12700" cap="flat" cmpd="sng" algn="ctr">
-          <a:solidFill>
-            <a:schemeClr val="lt1">
-              <a:hueOff val="0"/>
-              <a:satOff val="0"/>
-              <a:lumOff val="0"/>
-              <a:alphaOff val="0"/>
-            </a:schemeClr>
-          </a:solidFill>
-          <a:prstDash val="solid"/>
-          <a:miter lim="800000"/>
-        </a:ln>
-        <a:effectLst/>
-      </dsp:spPr>
-      <dsp:style>
-        <a:lnRef idx="2">
-          <a:scrgbClr r="0" g="0" b="0"/>
-        </a:lnRef>
-        <a:fillRef idx="1">
-          <a:scrgbClr r="0" g="0" b="0"/>
-        </a:fillRef>
-        <a:effectRef idx="0">
-          <a:scrgbClr r="0" g="0" b="0"/>
-        </a:effectRef>
-        <a:fontRef idx="minor">
-          <a:schemeClr val="lt1"/>
-        </a:fontRef>
-      </dsp:style>
-      <dsp:txBody>
-        <a:bodyPr spcFirstLastPara="0" vert="horz" wrap="square" lIns="56007" tIns="18669" rIns="18669" bIns="18669" numCol="1" spcCol="1270" anchor="ctr" anchorCtr="0">
-          <a:noAutofit/>
-        </a:bodyPr>
-        <a:lstStyle/>
-        <a:p>
-          <a:pPr marL="0" lvl="0" indent="0" algn="ctr" defTabSz="622300">
-            <a:lnSpc>
-              <a:spcPct val="90000"/>
-            </a:lnSpc>
-            <a:spcBef>
-              <a:spcPct val="0"/>
-            </a:spcBef>
-            <a:spcAft>
-              <a:spcPct val="35000"/>
-            </a:spcAft>
-            <a:buNone/>
-          </a:pPr>
-          <a:r>
-            <a:rPr lang="en-GB" sz="1400" kern="1200" dirty="0">
-              <a:latin typeface="CMU Serif Roman" panose="02000603000000000000" pitchFamily="2" charset="0"/>
-              <a:ea typeface="CMU Serif Roman" panose="02000603000000000000" pitchFamily="2" charset="0"/>
-              <a:cs typeface="CMU Serif Roman" panose="02000603000000000000" pitchFamily="2" charset="0"/>
-            </a:rPr>
-            <a:t>Lead identification e.g. docking</a:t>
-          </a:r>
-        </a:p>
-      </dsp:txBody>
-      <dsp:txXfrm>
-        <a:off x="4826168" y="2866263"/>
-        <a:ext cx="1321823" cy="881215"/>
-      </dsp:txXfrm>
-    </dsp:sp>
-    <dsp:sp modelId="{379B18EB-C9E9-9B45-9533-0195ED660D5C}">
-      <dsp:nvSpPr>
-        <dsp:cNvPr id="0" name=""/>
-        <dsp:cNvSpPr/>
-      </dsp:nvSpPr>
-      <dsp:spPr>
-        <a:xfrm>
-          <a:off x="6577584" y="2866263"/>
-          <a:ext cx="2203038" cy="881215"/>
-        </a:xfrm>
-        <a:prstGeom prst="chevron">
-          <a:avLst/>
-        </a:prstGeom>
-        <a:solidFill>
-          <a:srgbClr val="004F71"/>
-        </a:solidFill>
-        <a:ln w="12700" cap="flat" cmpd="sng" algn="ctr">
-          <a:solidFill>
-            <a:schemeClr val="lt1">
-              <a:hueOff val="0"/>
-              <a:satOff val="0"/>
-              <a:lumOff val="0"/>
-              <a:alphaOff val="0"/>
-            </a:schemeClr>
-          </a:solidFill>
-          <a:prstDash val="solid"/>
-          <a:miter lim="800000"/>
-        </a:ln>
-        <a:effectLst/>
-      </dsp:spPr>
-      <dsp:style>
-        <a:lnRef idx="2">
-          <a:scrgbClr r="0" g="0" b="0"/>
-        </a:lnRef>
-        <a:fillRef idx="1">
-          <a:scrgbClr r="0" g="0" b="0"/>
-        </a:fillRef>
-        <a:effectRef idx="0">
-          <a:scrgbClr r="0" g="0" b="0"/>
-        </a:effectRef>
-        <a:fontRef idx="minor">
-          <a:schemeClr val="lt1"/>
-        </a:fontRef>
-      </dsp:style>
-      <dsp:txBody>
-        <a:bodyPr spcFirstLastPara="0" vert="horz" wrap="square" lIns="56007" tIns="18669" rIns="18669" bIns="18669" numCol="1" spcCol="1270" anchor="ctr" anchorCtr="0">
-          <a:noAutofit/>
-        </a:bodyPr>
-        <a:lstStyle/>
-        <a:p>
-          <a:pPr marL="0" lvl="0" indent="0" algn="ctr" defTabSz="622300">
-            <a:lnSpc>
-              <a:spcPct val="90000"/>
-            </a:lnSpc>
-            <a:spcBef>
-              <a:spcPct val="0"/>
-            </a:spcBef>
-            <a:spcAft>
-              <a:spcPct val="35000"/>
-            </a:spcAft>
-            <a:buNone/>
-          </a:pPr>
-          <a:r>
-            <a:rPr lang="en-GB" sz="1400" kern="1200" dirty="0">
-              <a:latin typeface="CMU Serif Roman" panose="02000603000000000000" pitchFamily="2" charset="0"/>
-              <a:ea typeface="CMU Serif Roman" panose="02000603000000000000" pitchFamily="2" charset="0"/>
-              <a:cs typeface="CMU Serif Roman" panose="02000603000000000000" pitchFamily="2" charset="0"/>
-            </a:rPr>
-            <a:t>Lead optimisation e.g. free energy</a:t>
-          </a:r>
-        </a:p>
-      </dsp:txBody>
-      <dsp:txXfrm>
-        <a:off x="7018192" y="2866263"/>
-        <a:ext cx="1321823" cy="881215"/>
-      </dsp:txXfrm>
-    </dsp:sp>
-  </dsp:spTree>
-</dsp:drawing>
-</file>
-
-<file path=ppt/diagrams/layout1.xml><?xml version="1.0" encoding="utf-8"?>
-<dgm:layoutDef xmlns:dgm="http://schemas.openxmlformats.org/drawingml/2006/diagram" xmlns:a="http://schemas.openxmlformats.org/drawingml/2006/main" uniqueId="urn:microsoft.com/office/officeart/2005/8/layout/chevron1">
-  <dgm:title val=""/>
-  <dgm:desc val=""/>
-  <dgm:catLst>
-    <dgm:cat type="process" pri="9000"/>
-  </dgm:catLst>
-  <dgm:sampData useDef="1">
-    <dgm:dataModel>
-      <dgm:ptLst/>
-      <dgm:bg/>
-      <dgm:whole/>
-    </dgm:dataModel>
-  </dgm:sampData>
-  <dgm:styleData>
-    <dgm:dataModel>
-      <dgm:ptLst>
-        <dgm:pt modelId="0" type="doc"/>
-        <dgm:pt modelId="1"/>
-        <dgm:pt modelId="2"/>
-      </dgm:ptLst>
-      <dgm:cxnLst>
-        <dgm:cxn modelId="3" srcId="0" destId="1" srcOrd="0" destOrd="0"/>
-        <dgm:cxn modelId="4" srcId="0" destId="2" srcOrd="1" destOrd="0"/>
-      </dgm:cxnLst>
-      <dgm:bg/>
-      <dgm:whole/>
-    </dgm:dataModel>
-  </dgm:styleData>
-  <dgm:clrData>
-    <dgm:dataModel>
-      <dgm:ptLst>
-        <dgm:pt modelId="0" type="doc"/>
-        <dgm:pt modelId="1"/>
-        <dgm:pt modelId="2"/>
-        <dgm:pt modelId="3"/>
-        <dgm:pt modelId="4"/>
-      </dgm:ptLst>
-      <dgm:cxnLst>
-        <dgm:cxn modelId="5" srcId="0" destId="1" srcOrd="0" destOrd="0"/>
-        <dgm:cxn modelId="6" srcId="0" destId="2" srcOrd="1" destOrd="0"/>
-        <dgm:cxn modelId="7" srcId="0" destId="3" srcOrd="2" destOrd="0"/>
-        <dgm:cxn modelId="8" srcId="0" destId="4" srcOrd="3" destOrd="0"/>
-      </dgm:cxnLst>
-      <dgm:bg/>
-      <dgm:whole/>
-    </dgm:dataModel>
-  </dgm:clrData>
-  <dgm:layoutNode name="Name0">
-    <dgm:varLst>
-      <dgm:dir/>
-      <dgm:animLvl val="lvl"/>
-      <dgm:resizeHandles val="exact"/>
-    </dgm:varLst>
-    <dgm:choose name="Name1">
-      <dgm:if name="Name2" func="var" arg="dir" op="equ" val="norm">
-        <dgm:alg type="lin"/>
-      </dgm:if>
-      <dgm:else name="Name3">
-        <dgm:alg type="lin">
-          <dgm:param type="linDir" val="fromR"/>
-        </dgm:alg>
-      </dgm:else>
-    </dgm:choose>
-    <dgm:shape xmlns:r="http://schemas.openxmlformats.org/officeDocument/2006/relationships" r:blip="">
-      <dgm:adjLst/>
-    </dgm:shape>
-    <dgm:presOf/>
-    <dgm:choose name="Name4">
-      <dgm:if name="Name5" axis="des" func="maxDepth" op="gte" val="2">
-        <dgm:constrLst>
-          <dgm:constr type="h" for="ch" forName="composite" refType="h"/>
-          <dgm:constr type="w" for="ch" forName="composite" refType="w"/>
-          <dgm:constr type="w" for="des" forName="parTx"/>
-          <dgm:constr type="h" for="des" forName="parTx" op="equ"/>
-          <dgm:constr type="w" for="des" forName="desTx"/>
-          <dgm:constr type="h" for="des" forName="desTx" op="equ"/>
-          <dgm:constr type="primFontSz" for="des" forName="parTx" val="65"/>
-          <dgm:constr type="secFontSz" for="des" forName="desTx" refType="primFontSz" refFor="des" refForName="parTx" op="equ"/>
-          <dgm:constr type="h" for="des" forName="parTx" refType="primFontSz" refFor="des" refForName="parTx" fact="1.5"/>
-          <dgm:constr type="h" for="des" forName="desTx" refType="primFontSz" refFor="des" refForName="parTx" fact="0.5"/>
-          <dgm:constr type="w" for="ch" forName="space" op="equ" val="-6"/>
-        </dgm:constrLst>
-        <dgm:ruleLst>
-          <dgm:rule type="w" for="ch" forName="composite" val="0" fact="NaN" max="NaN"/>
-          <dgm:rule type="primFontSz" for="des" forName="parTx" val="5" fact="NaN" max="NaN"/>
-        </dgm:ruleLst>
-        <dgm:forEach name="Name6" axis="ch" ptType="node">
-          <dgm:layoutNode name="composite">
-            <dgm:alg type="composite"/>
-            <dgm:shape xmlns:r="http://schemas.openxmlformats.org/officeDocument/2006/relationships" r:blip="">
-              <dgm:adjLst/>
-            </dgm:shape>
-            <dgm:presOf/>
-            <dgm:choose name="Name7">
-              <dgm:if name="Name8" func="var" arg="dir" op="equ" val="norm">
-                <dgm:constrLst>
-                  <dgm:constr type="l" for="ch" forName="parTx"/>
-                  <dgm:constr type="w" for="ch" forName="parTx" refType="w"/>
-                  <dgm:constr type="t" for="ch" forName="parTx"/>
-                  <dgm:constr type="l" for="ch" forName="desTx"/>
-                  <dgm:constr type="w" for="ch" forName="desTx" refType="w" refFor="ch" refForName="parTx" fact="0.8"/>
-                  <dgm:constr type="t" for="ch" forName="desTx" refType="h" refFor="ch" refForName="parTx" fact="1.125"/>
-                </dgm:constrLst>
-              </dgm:if>
-              <dgm:else name="Name9">
-                <dgm:constrLst>
-                  <dgm:constr type="l" for="ch" forName="parTx"/>
-                  <dgm:constr type="w" for="ch" forName="parTx" refType="w"/>
-                  <dgm:constr type="t" for="ch" forName="parTx"/>
-                  <dgm:constr type="l" for="ch" forName="desTx" refType="w" fact="0.2"/>
-                  <dgm:constr type="w" for="ch" forName="desTx" refType="w" refFor="ch" refForName="parTx" fact="0.8"/>
-                  <dgm:constr type="t" for="ch" forName="desTx" refType="h" refFor="ch" refForName="parTx" fact="1.125"/>
-                </dgm:constrLst>
-              </dgm:else>
-            </dgm:choose>
-            <dgm:ruleLst>
-              <dgm:rule type="h" val="INF" fact="NaN" max="NaN"/>
-            </dgm:ruleLst>
-            <dgm:layoutNode name="parTx">
-              <dgm:varLst>
-                <dgm:chMax val="0"/>
-                <dgm:chPref val="0"/>
-                <dgm:bulletEnabled val="1"/>
-              </dgm:varLst>
-              <dgm:alg type="tx"/>
-              <dgm:choose name="Name10">
-                <dgm:if name="Name11" func="var" arg="dir" op="equ" val="norm">
-                  <dgm:shape xmlns:r="http://schemas.openxmlformats.org/officeDocument/2006/relationships" type="chevron" r:blip="">
-                    <dgm:adjLst/>
-                  </dgm:shape>
-                </dgm:if>
-                <dgm:else name="Name12">
-                  <dgm:shape xmlns:r="http://schemas.openxmlformats.org/officeDocument/2006/relationships" rot="180" type="chevron" r:blip="">
-                    <dgm:adjLst/>
-                  </dgm:shape>
-                </dgm:else>
-              </dgm:choose>
-              <dgm:presOf axis="self" ptType="node"/>
-              <dgm:choose name="Name13">
-                <dgm:if name="Name14" func="var" arg="dir" op="equ" val="norm">
-                  <dgm:constrLst>
-                    <dgm:constr type="h" refType="w" op="lte" fact="0.4"/>
-                    <dgm:constr type="h"/>
-                    <dgm:constr type="tMarg" refType="primFontSz" fact="0.105"/>
-                    <dgm:constr type="bMarg" refType="primFontSz" fact="0.105"/>
-                    <dgm:constr type="lMarg" refType="primFontSz" fact="0.315"/>
-                    <dgm:constr type="rMarg" refType="primFontSz" fact="0.105"/>
-                  </dgm:constrLst>
-                </dgm:if>
-                <dgm:else name="Name15">
-                  <dgm:constrLst>
-                    <dgm:constr type="h" refType="w" op="lte" fact="0.4"/>
-                    <dgm:constr type="h"/>
-                    <dgm:constr type="tMarg" refType="primFontSz" fact="0.105"/>
-                    <dgm:constr type="bMarg" refType="primFontSz" fact="0.105"/>
-                    <dgm:constr type="lMarg" refType="primFontSz" fact="0.105"/>
-                    <dgm:constr type="rMarg" refType="primFontSz" fact="0.315"/>
-                  </dgm:constrLst>
-                </dgm:else>
-              </dgm:choose>
-              <dgm:ruleLst>
-                <dgm:rule type="h" val="INF" fact="NaN" max="NaN"/>
-              </dgm:ruleLst>
-            </dgm:layoutNode>
-            <dgm:layoutNode name="desTx" styleLbl="revTx">
-              <dgm:varLst>
-                <dgm:bulletEnabled val="1"/>
-              </dgm:varLst>
-              <dgm:alg type="tx">
-                <dgm:param type="stBulletLvl" val="1"/>
-              </dgm:alg>
-              <dgm:choose name="Name16">
-                <dgm:if name="Name17" axis="ch" ptType="node" func="cnt" op="gte" val="1">
-                  <dgm:shape xmlns:r="http://schemas.openxmlformats.org/officeDocument/2006/relationships" type="rect" r:blip="">
-                    <dgm:adjLst/>
-                  </dgm:shape>
-                </dgm:if>
-                <dgm:else name="Name18">
-                  <dgm:shape xmlns:r="http://schemas.openxmlformats.org/officeDocument/2006/relationships" type="rect" r:blip="" hideGeom="1">
-                    <dgm:adjLst/>
-                  </dgm:shape>
-                </dgm:else>
-              </dgm:choose>
-              <dgm:presOf axis="des" ptType="node"/>
-              <dgm:constrLst>
-                <dgm:constr type="secFontSz" val="65"/>
-                <dgm:constr type="primFontSz" refType="secFontSz"/>
-                <dgm:constr type="h"/>
-                <dgm:constr type="tMarg"/>
-                <dgm:constr type="bMarg"/>
-                <dgm:constr type="rMarg"/>
-                <dgm:constr type="lMarg"/>
-              </dgm:constrLst>
-              <dgm:ruleLst>
-                <dgm:rule type="h" val="INF" fact="NaN" max="NaN"/>
-              </dgm:ruleLst>
-            </dgm:layoutNode>
-          </dgm:layoutNode>
-          <dgm:forEach name="Name19" axis="followSib" ptType="sibTrans" cnt="1">
-            <dgm:layoutNode name="space">
-              <dgm:alg type="sp"/>
-              <dgm:shape xmlns:r="http://schemas.openxmlformats.org/officeDocument/2006/relationships" r:blip="">
-                <dgm:adjLst/>
-              </dgm:shape>
-              <dgm:presOf/>
-              <dgm:constrLst/>
-              <dgm:ruleLst/>
-            </dgm:layoutNode>
-          </dgm:forEach>
-        </dgm:forEach>
-      </dgm:if>
-      <dgm:else name="Name20">
-        <dgm:constrLst>
-          <dgm:constr type="w" for="ch" forName="parTxOnly" refType="w"/>
-          <dgm:constr type="h" for="des" forName="parTxOnly" op="equ"/>
-          <dgm:constr type="primFontSz" for="des" forName="parTxOnly" op="equ" val="65"/>
-          <dgm:constr type="w" for="ch" forName="parTxOnlySpace" refType="w" refFor="ch" refForName="parTxOnly" fact="-0.1"/>
-        </dgm:constrLst>
-        <dgm:ruleLst/>
-        <dgm:forEach name="Name21" axis="ch" ptType="node">
-          <dgm:layoutNode name="parTxOnly">
-            <dgm:varLst>
-              <dgm:chMax val="0"/>
-              <dgm:chPref val="0"/>
-              <dgm:bulletEnabled val="1"/>
-            </dgm:varLst>
-            <dgm:alg type="tx"/>
-            <dgm:choose name="Name22">
-              <dgm:if name="Name23" func="var" arg="dir" op="equ" val="norm">
-                <dgm:shape xmlns:r="http://schemas.openxmlformats.org/officeDocument/2006/relationships" type="chevron" r:blip="">
-                  <dgm:adjLst/>
-                </dgm:shape>
-              </dgm:if>
-              <dgm:else name="Name24">
-                <dgm:shape xmlns:r="http://schemas.openxmlformats.org/officeDocument/2006/relationships" rot="180" type="chevron" r:blip="">
-                  <dgm:adjLst/>
-                </dgm:shape>
-              </dgm:else>
-            </dgm:choose>
-            <dgm:presOf axis="self" ptType="node"/>
-            <dgm:choose name="Name25">
-              <dgm:if name="Name26" func="var" arg="dir" op="equ" val="norm">
-                <dgm:constrLst>
-                  <dgm:constr type="h" refType="w" op="equ" fact="0.4"/>
-                  <dgm:constr type="tMarg" refType="primFontSz" fact="0.105"/>
-                  <dgm:constr type="bMarg" refType="primFontSz" fact="0.105"/>
-                  <dgm:constr type="lMarg" refType="primFontSz" fact="0.315"/>
-                  <dgm:constr type="rMarg" refType="primFontSz" fact="0.105"/>
-                </dgm:constrLst>
-              </dgm:if>
-              <dgm:else name="Name27">
-                <dgm:constrLst>
-                  <dgm:constr type="h" refType="w" op="equ" fact="0.4"/>
-                  <dgm:constr type="tMarg" refType="primFontSz" fact="0.105"/>
-                  <dgm:constr type="bMarg" refType="primFontSz" fact="0.105"/>
-                  <dgm:constr type="lMarg" refType="primFontSz" fact="0.105"/>
-                  <dgm:constr type="rMarg" refType="primFontSz" fact="0.315"/>
-                </dgm:constrLst>
-              </dgm:else>
-            </dgm:choose>
-            <dgm:ruleLst>
-              <dgm:rule type="primFontSz" val="5" fact="NaN" max="NaN"/>
-            </dgm:ruleLst>
-          </dgm:layoutNode>
-          <dgm:forEach name="Name28" axis="followSib" ptType="sibTrans" cnt="1">
-            <dgm:layoutNode name="parTxOnlySpace">
-              <dgm:alg type="sp"/>
-              <dgm:shape xmlns:r="http://schemas.openxmlformats.org/officeDocument/2006/relationships" r:blip="">
-                <dgm:adjLst/>
-              </dgm:shape>
-              <dgm:presOf/>
-              <dgm:constrLst/>
-              <dgm:ruleLst/>
-            </dgm:layoutNode>
-          </dgm:forEach>
-        </dgm:forEach>
-      </dgm:else>
-    </dgm:choose>
-  </dgm:layoutNode>
-</dgm:layoutDef>
-</file>
-
-<file path=ppt/diagrams/quickStyle1.xml><?xml version="1.0" encoding="utf-8"?>
-<dgm:styleDef xmlns:dgm="http://schemas.openxmlformats.org/drawingml/2006/diagram" xmlns:a="http://schemas.openxmlformats.org/drawingml/2006/main" uniqueId="urn:microsoft.com/office/officeart/2005/8/quickstyle/simple1">
-  <dgm:title val=""/>
-  <dgm:desc val=""/>
-  <dgm:catLst>
-    <dgm:cat type="simple" pri="10100"/>
-  </dgm:catLst>
-  <dgm:scene3d>
-    <a:camera prst="orthographicFront"/>
-    <a:lightRig rig="threePt" dir="t"/>
-  </dgm:scene3d>
-  <dgm:styleLbl name="node0">
-    <dgm:scene3d>
-      <a:camera prst="orthographicFront"/>
-      <a:lightRig rig="threePt" dir="t"/>
-    </dgm:scene3d>
-    <dgm:sp3d/>
-    <dgm:txPr/>
-    <dgm:style>
-      <a:lnRef idx="2">
-        <a:scrgbClr r="0" g="0" b="0"/>
-      </a:lnRef>
-      <a:fillRef idx="1">
-        <a:scrgbClr r="0" g="0" b="0"/>
-      </a:fillRef>
-      <a:effectRef idx="0">
-        <a:scrgbClr r="0" g="0" b="0"/>
-      </a:effectRef>
-      <a:fontRef idx="minor">
-        <a:schemeClr val="lt1"/>
-      </a:fontRef>
-    </dgm:style>
-  </dgm:styleLbl>
-  <dgm:styleLbl name="lnNode1">
-    <dgm:scene3d>
-      <a:camera prst="orthographicFront"/>
-      <a:lightRig rig="threePt" dir="t"/>
-    </dgm:scene3d>
-    <dgm:sp3d/>
-    <dgm:txPr/>
-    <dgm:style>
-      <a:lnRef idx="2">
-        <a:scrgbClr r="0" g="0" b="0"/>
-      </a:lnRef>
-      <a:fillRef idx="1">
-        <a:scrgbClr r="0" g="0" b="0"/>
-      </a:fillRef>
-      <a:effectRef idx="0">
-        <a:scrgbClr r="0" g="0" b="0"/>
-      </a:effectRef>
-      <a:fontRef idx="minor">
-        <a:schemeClr val="lt1"/>
-      </a:fontRef>
-    </dgm:style>
-  </dgm:styleLbl>
-  <dgm:styleLbl name="vennNode1">
-    <dgm:scene3d>
-      <a:camera prst="orthographicFront"/>
-      <a:lightRig rig="threePt" dir="t"/>
-    </dgm:scene3d>
-    <dgm:sp3d/>
-    <dgm:txPr/>
-    <dgm:style>
-      <a:lnRef idx="2">
-        <a:scrgbClr r="0" g="0" b="0"/>
-      </a:lnRef>
-      <a:fillRef idx="1">
-        <a:scrgbClr r="0" g="0" b="0"/>
-      </a:fillRef>
-      <a:effectRef idx="0">
-        <a:scrgbClr r="0" g="0" b="0"/>
-      </a:effectRef>
-      <a:fontRef idx="minor">
-        <a:schemeClr val="tx1"/>
-      </a:fontRef>
-    </dgm:style>
-  </dgm:styleLbl>
-  <dgm:styleLbl name="alignNode1">
-    <dgm:scene3d>
-      <a:camera prst="orthographicFront"/>
-      <a:lightRig rig="threePt" dir="t"/>
-    </dgm:scene3d>
-    <dgm:sp3d/>
-    <dgm:txPr/>
-    <dgm:style>
-      <a:lnRef idx="2">
-        <a:scrgbClr r="0" g="0" b="0"/>
-      </a:lnRef>
-      <a:fillRef idx="1">
-        <a:scrgbClr r="0" g="0" b="0"/>
-      </a:fillRef>
-      <a:effectRef idx="0">
-        <a:scrgbClr r="0" g="0" b="0"/>
-      </a:effectRef>
-      <a:fontRef idx="minor">
-        <a:schemeClr val="lt1"/>
-      </a:fontRef>
-    </dgm:style>
-  </dgm:styleLbl>
-  <dgm:styleLbl name="node1">
-    <dgm:scene3d>
-      <a:camera prst="orthographicFront"/>
-      <a:lightRig rig="threePt" dir="t"/>
-    </dgm:scene3d>
-    <dgm:sp3d/>
-    <dgm:txPr/>
-    <dgm:style>
-      <a:lnRef idx="2">
-        <a:scrgbClr r="0" g="0" b="0"/>
-      </a:lnRef>
-      <a:fillRef idx="1">
-        <a:scrgbClr r="0" g="0" b="0"/>
-      </a:fillRef>
-      <a:effectRef idx="0">
-        <a:scrgbClr r="0" g="0" b="0"/>
-      </a:effectRef>
-      <a:fontRef idx="minor">
-        <a:schemeClr val="lt1"/>
-      </a:fontRef>
-    </dgm:style>
-  </dgm:styleLbl>
-  <dgm:styleLbl name="node2">
-    <dgm:scene3d>
-      <a:camera prst="orthographicFront"/>
-      <a:lightRig rig="threePt" dir="t"/>
-    </dgm:scene3d>
-    <dgm:sp3d/>
-    <dgm:txPr/>
-    <dgm:style>
-      <a:lnRef idx="2">
-        <a:scrgbClr r="0" g="0" b="0"/>
-      </a:lnRef>
-      <a:fillRef idx="1">
-        <a:scrgbClr r="0" g="0" b="0"/>
-      </a:fillRef>
-      <a:effectRef idx="0">
-        <a:scrgbClr r="0" g="0" b="0"/>
-      </a:effectRef>
-      <a:fontRef idx="minor">
-        <a:schemeClr val="lt1"/>
-      </a:fontRef>
-    </dgm:style>
-  </dgm:styleLbl>
-  <dgm:styleLbl name="node3">
-    <dgm:scene3d>
-      <a:camera prst="orthographicFront"/>
-      <a:lightRig rig="threePt" dir="t"/>
-    </dgm:scene3d>
-    <dgm:sp3d/>
-    <dgm:txPr/>
-    <dgm:style>
-      <a:lnRef idx="2">
-        <a:scrgbClr r="0" g="0" b="0"/>
-      </a:lnRef>
-      <a:fillRef idx="1">
-        <a:scrgbClr r="0" g="0" b="0"/>
-      </a:fillRef>
-      <a:effectRef idx="0">
-        <a:scrgbClr r="0" g="0" b="0"/>
-      </a:effectRef>
-      <a:fontRef idx="minor">
-        <a:schemeClr val="lt1"/>
-      </a:fontRef>
-    </dgm:style>
-  </dgm:styleLbl>
-  <dgm:styleLbl name="node4">
-    <dgm:scene3d>
-      <a:camera prst="orthographicFront"/>
-      <a:lightRig rig="threePt" dir="t"/>
-    </dgm:scene3d>
-    <dgm:sp3d/>
-    <dgm:txPr/>
-    <dgm:style>
-      <a:lnRef idx="2">
-        <a:scrgbClr r="0" g="0" b="0"/>
-      </a:lnRef>
-      <a:fillRef idx="1">
-        <a:scrgbClr r="0" g="0" b="0"/>
-      </a:fillRef>
-      <a:effectRef idx="0">
-        <a:scrgbClr r="0" g="0" b="0"/>
-      </a:effectRef>
-      <a:fontRef idx="minor">
-        <a:schemeClr val="lt1"/>
-      </a:fontRef>
-    </dgm:style>
-  </dgm:styleLbl>
-  <dgm:styleLbl name="fgImgPlace1">
-    <dgm:scene3d>
-      <a:camera prst="orthographicFront"/>
-      <a:lightRig rig="threePt" dir="t"/>
-    </dgm:scene3d>
-    <dgm:sp3d/>
-    <dgm:txPr/>
-    <dgm:style>
-      <a:lnRef idx="2">
-        <a:scrgbClr r="0" g="0" b="0"/>
-      </a:lnRef>
-      <a:fillRef idx="1">
-        <a:scrgbClr r="0" g="0" b="0"/>
-      </a:fillRef>
-      <a:effectRef idx="0">
-        <a:scrgbClr r="0" g="0" b="0"/>
-      </a:effectRef>
-      <a:fontRef idx="minor"/>
-    </dgm:style>
-  </dgm:styleLbl>
-  <dgm:styleLbl name="alignImgPlace1">
-    <dgm:scene3d>
-      <a:camera prst="orthographicFront"/>
-      <a:lightRig rig="threePt" dir="t"/>
-    </dgm:scene3d>
-    <dgm:sp3d/>
-    <dgm:txPr/>
-    <dgm:style>
-      <a:lnRef idx="2">
-        <a:scrgbClr r="0" g="0" b="0"/>
-      </a:lnRef>
-      <a:fillRef idx="1">
-        <a:scrgbClr r="0" g="0" b="0"/>
-      </a:fillRef>
-      <a:effectRef idx="0">
-        <a:scrgbClr r="0" g="0" b="0"/>
-      </a:effectRef>
-      <a:fontRef idx="minor"/>
-    </dgm:style>
-  </dgm:styleLbl>
-  <dgm:styleLbl name="bgImgPlace1">
-    <dgm:scene3d>
-      <a:camera prst="orthographicFront"/>
-      <a:lightRig rig="threePt" dir="t"/>
-    </dgm:scene3d>
-    <dgm:sp3d/>
-    <dgm:txPr/>
-    <dgm:style>
-      <a:lnRef idx="2">
-        <a:scrgbClr r="0" g="0" b="0"/>
-      </a:lnRef>
-      <a:fillRef idx="1">
-        <a:scrgbClr r="0" g="0" b="0"/>
-      </a:fillRef>
-      <a:effectRef idx="0">
-        <a:scrgbClr r="0" g="0" b="0"/>
-      </a:effectRef>
-      <a:fontRef idx="minor"/>
-    </dgm:style>
-  </dgm:styleLbl>
-  <dgm:styleLbl name="sibTrans2D1">
-    <dgm:scene3d>
-      <a:camera prst="orthographicFront"/>
-      <a:lightRig rig="threePt" dir="t"/>
-    </dgm:scene3d>
-    <dgm:sp3d/>
-    <dgm:txPr/>
-    <dgm:style>
-      <a:lnRef idx="0">
-        <a:scrgbClr r="0" g="0" b="0"/>
-      </a:lnRef>
-      <a:fillRef idx="1">
-        <a:scrgbClr r="0" g="0" b="0"/>
-      </a:fillRef>
-      <a:effectRef idx="0">
-        <a:scrgbClr r="0" g="0" b="0"/>
-      </a:effectRef>
-      <a:fontRef idx="minor">
-        <a:schemeClr val="lt1"/>
-      </a:fontRef>
-    </dgm:style>
-  </dgm:styleLbl>
-  <dgm:styleLbl name="fgSibTrans2D1">
-    <dgm:scene3d>
-      <a:camera prst="orthographicFront"/>
-      <a:lightRig rig="threePt" dir="t"/>
-    </dgm:scene3d>
-    <dgm:sp3d/>
-    <dgm:txPr/>
-    <dgm:style>
-      <a:lnRef idx="0">
-        <a:scrgbClr r="0" g="0" b="0"/>
-      </a:lnRef>
-      <a:fillRef idx="1">
-        <a:scrgbClr r="0" g="0" b="0"/>
-      </a:fillRef>
-      <a:effectRef idx="0">
-        <a:scrgbClr r="0" g="0" b="0"/>
-      </a:effectRef>
-      <a:fontRef idx="minor">
-        <a:schemeClr val="lt1"/>
-      </a:fontRef>
-    </dgm:style>
-  </dgm:styleLbl>
-  <dgm:styleLbl name="bgSibTrans2D1">
-    <dgm:scene3d>
-      <a:camera prst="orthographicFront"/>
-      <a:lightRig rig="threePt" dir="t"/>
-    </dgm:scene3d>
-    <dgm:sp3d/>
-    <dgm:txPr/>
-    <dgm:style>
-      <a:lnRef idx="0">
-        <a:scrgbClr r="0" g="0" b="0"/>
-      </a:lnRef>
-      <a:fillRef idx="1">
-        <a:scrgbClr r="0" g="0" b="0"/>
-      </a:fillRef>
-      <a:effectRef idx="0">
-        <a:scrgbClr r="0" g="0" b="0"/>
-      </a:effectRef>
-      <a:fontRef idx="minor">
-        <a:schemeClr val="lt1"/>
-      </a:fontRef>
-    </dgm:style>
-  </dgm:styleLbl>
-  <dgm:styleLbl name="sibTrans1D1">
-    <dgm:scene3d>
-      <a:camera prst="orthographicFront"/>
-      <a:lightRig rig="threePt" dir="t"/>
-    </dgm:scene3d>
-    <dgm:sp3d/>
-    <dgm:txPr/>
-    <dgm:style>
-      <a:lnRef idx="1">
-        <a:scrgbClr r="0" g="0" b="0"/>
-      </a:lnRef>
-      <a:fillRef idx="0">
-        <a:scrgbClr r="0" g="0" b="0"/>
-      </a:fillRef>
-      <a:effectRef idx="0">
-        <a:scrgbClr r="0" g="0" b="0"/>
-      </a:effectRef>
-      <a:fontRef idx="minor"/>
-    </dgm:style>
-  </dgm:styleLbl>
-  <dgm:styleLbl name="callout">
-    <dgm:scene3d>
-      <a:camera prst="orthographicFront"/>
-      <a:lightRig rig="threePt" dir="t"/>
-    </dgm:scene3d>
-    <dgm:sp3d/>
-    <dgm:txPr/>
-    <dgm:style>
-      <a:lnRef idx="2">
-        <a:scrgbClr r="0" g="0" b="0"/>
-      </a:lnRef>
-      <a:fillRef idx="1">
-        <a:scrgbClr r="0" g="0" b="0"/>
-      </a:fillRef>
-      <a:effectRef idx="0">
-        <a:scrgbClr r="0" g="0" b="0"/>
-      </a:effectRef>
-      <a:fontRef idx="minor"/>
-    </dgm:style>
-  </dgm:styleLbl>
-  <dgm:styleLbl name="asst0">
-    <dgm:scene3d>
-      <a:camera prst="orthographicFront"/>
-      <a:lightRig rig="threePt" dir="t"/>
-    </dgm:scene3d>
-    <dgm:sp3d/>
-    <dgm:txPr/>
-    <dgm:style>
-      <a:lnRef idx="2">
-        <a:scrgbClr r="0" g="0" b="0"/>
-      </a:lnRef>
-      <a:fillRef idx="1">
-        <a:scrgbClr r="0" g="0" b="0"/>
-      </a:fillRef>
-      <a:effectRef idx="0">
-        <a:scrgbClr r="0" g="0" b="0"/>
-      </a:effectRef>
-      <a:fontRef idx="minor">
-        <a:schemeClr val="lt1"/>
-      </a:fontRef>
-    </dgm:style>
-  </dgm:styleLbl>
-  <dgm:styleLbl name="asst1">
-    <dgm:scene3d>
-      <a:camera prst="orthographicFront"/>
-      <a:lightRig rig="threePt" dir="t"/>
-    </dgm:scene3d>
-    <dgm:sp3d/>
-    <dgm:txPr/>
-    <dgm:style>
-      <a:lnRef idx="2">
-        <a:scrgbClr r="0" g="0" b="0"/>
-      </a:lnRef>
-      <a:fillRef idx="1">
-        <a:scrgbClr r="0" g="0" b="0"/>
-      </a:fillRef>
-      <a:effectRef idx="0">
-        <a:scrgbClr r="0" g="0" b="0"/>
-      </a:effectRef>
-      <a:fontRef idx="minor">
-        <a:schemeClr val="lt1"/>
-      </a:fontRef>
-    </dgm:style>
-  </dgm:styleLbl>
-  <dgm:styleLbl name="asst2">
-    <dgm:scene3d>
-      <a:camera prst="orthographicFront"/>
-      <a:lightRig rig="threePt" dir="t"/>
-    </dgm:scene3d>
-    <dgm:sp3d/>
-    <dgm:txPr/>
-    <dgm:style>
-      <a:lnRef idx="2">
-        <a:scrgbClr r="0" g="0" b="0"/>
-      </a:lnRef>
-      <a:fillRef idx="1">
-        <a:scrgbClr r="0" g="0" b="0"/>
-      </a:fillRef>
-      <a:effectRef idx="0">
-        <a:scrgbClr r="0" g="0" b="0"/>
-      </a:effectRef>
-      <a:fontRef idx="minor">
-        <a:schemeClr val="lt1"/>
-      </a:fontRef>
-    </dgm:style>
-  </dgm:styleLbl>
-  <dgm:styleLbl name="asst3">
-    <dgm:scene3d>
-      <a:camera prst="orthographicFront"/>
-      <a:lightRig rig="threePt" dir="t"/>
-    </dgm:scene3d>
-    <dgm:sp3d/>
-    <dgm:txPr/>
-    <dgm:style>
-      <a:lnRef idx="2">
-        <a:scrgbClr r="0" g="0" b="0"/>
-      </a:lnRef>
-      <a:fillRef idx="1">
-        <a:scrgbClr r="0" g="0" b="0"/>
-      </a:fillRef>
-      <a:effectRef idx="0">
-        <a:scrgbClr r="0" g="0" b="0"/>
-      </a:effectRef>
-      <a:fontRef idx="minor">
-        <a:schemeClr val="lt1"/>
-      </a:fontRef>
-    </dgm:style>
-  </dgm:styleLbl>
-  <dgm:styleLbl name="asst4">
-    <dgm:scene3d>
-      <a:camera prst="orthographicFront"/>
-      <a:lightRig rig="threePt" dir="t"/>
-    </dgm:scene3d>
-    <dgm:sp3d/>
-    <dgm:txPr/>
-    <dgm:style>
-      <a:lnRef idx="2">
-        <a:scrgbClr r="0" g="0" b="0"/>
-      </a:lnRef>
-      <a:fillRef idx="1">
-        <a:scrgbClr r="0" g="0" b="0"/>
-      </a:fillRef>
-      <a:effectRef idx="0">
-        <a:scrgbClr r="0" g="0" b="0"/>
-      </a:effectRef>
-      <a:fontRef idx="minor">
-        <a:schemeClr val="lt1"/>
-      </a:fontRef>
-    </dgm:style>
-  </dgm:styleLbl>
-  <dgm:styleLbl name="parChTrans2D1">
-    <dgm:scene3d>
-      <a:camera prst="orthographicFront"/>
-      <a:lightRig rig="threePt" dir="t"/>
-    </dgm:scene3d>
-    <dgm:sp3d/>
-    <dgm:txPr/>
-    <dgm:style>
-      <a:lnRef idx="2">
-        <a:scrgbClr r="0" g="0" b="0"/>
-      </a:lnRef>
-      <a:fillRef idx="1">
-        <a:scrgbClr r="0" g="0" b="0"/>
-      </a:fillRef>
-      <a:effectRef idx="0">
-        <a:scrgbClr r="0" g="0" b="0"/>
-      </a:effectRef>
-      <a:fontRef idx="minor">
-        <a:schemeClr val="lt1"/>
-      </a:fontRef>
-    </dgm:style>
-  </dgm:styleLbl>
-  <dgm:styleLbl name="parChTrans2D2">
-    <dgm:scene3d>
-      <a:camera prst="orthographicFront"/>
-      <a:lightRig rig="threePt" dir="t"/>
-    </dgm:scene3d>
-    <dgm:sp3d/>
-    <dgm:txPr/>
-    <dgm:style>
-      <a:lnRef idx="2">
-        <a:scrgbClr r="0" g="0" b="0"/>
-      </a:lnRef>
-      <a:fillRef idx="1">
-        <a:scrgbClr r="0" g="0" b="0"/>
-      </a:fillRef>
-      <a:effectRef idx="0">
-        <a:scrgbClr r="0" g="0" b="0"/>
-      </a:effectRef>
-      <a:fontRef idx="minor">
-        <a:schemeClr val="lt1"/>
-      </a:fontRef>
-    </dgm:style>
-  </dgm:styleLbl>
-  <dgm:styleLbl name="parChTrans2D3">
-    <dgm:scene3d>
-      <a:camera prst="orthographicFront"/>
-      <a:lightRig rig="threePt" dir="t"/>
-    </dgm:scene3d>
-    <dgm:sp3d/>
-    <dgm:txPr/>
-    <dgm:style>
-      <a:lnRef idx="2">
-        <a:scrgbClr r="0" g="0" b="0"/>
-      </a:lnRef>
-      <a:fillRef idx="1">
-        <a:scrgbClr r="0" g="0" b="0"/>
-      </a:fillRef>
-      <a:effectRef idx="0">
-        <a:scrgbClr r="0" g="0" b="0"/>
-      </a:effectRef>
-      <a:fontRef idx="minor">
-        <a:schemeClr val="lt1"/>
-      </a:fontRef>
-    </dgm:style>
-  </dgm:styleLbl>
-  <dgm:styleLbl name="parChTrans2D4">
-    <dgm:scene3d>
-      <a:camera prst="orthographicFront"/>
-      <a:lightRig rig="threePt" dir="t"/>
-    </dgm:scene3d>
-    <dgm:sp3d/>
-    <dgm:txPr/>
-    <dgm:style>
-      <a:lnRef idx="2">
-        <a:scrgbClr r="0" g="0" b="0"/>
-      </a:lnRef>
-      <a:fillRef idx="1">
-        <a:scrgbClr r="0" g="0" b="0"/>
-      </a:fillRef>
-      <a:effectRef idx="0">
-        <a:scrgbClr r="0" g="0" b="0"/>
-      </a:effectRef>
-      <a:fontRef idx="minor">
-        <a:schemeClr val="lt1"/>
-      </a:fontRef>
-    </dgm:style>
-  </dgm:styleLbl>
-  <dgm:styleLbl name="parChTrans1D1">
-    <dgm:scene3d>
-      <a:camera prst="orthographicFront"/>
-      <a:lightRig rig="threePt" dir="t"/>
-    </dgm:scene3d>
-    <dgm:sp3d/>
-    <dgm:txPr/>
-    <dgm:style>
-      <a:lnRef idx="2">
-        <a:scrgbClr r="0" g="0" b="0"/>
-      </a:lnRef>
-      <a:fillRef idx="0">
-        <a:scrgbClr r="0" g="0" b="0"/>
-      </a:fillRef>
-      <a:effectRef idx="0">
-        <a:scrgbClr r="0" g="0" b="0"/>
-      </a:effectRef>
-      <a:fontRef idx="minor"/>
-    </dgm:style>
-  </dgm:styleLbl>
-  <dgm:styleLbl name="parChTrans1D2">
-    <dgm:scene3d>
-      <a:camera prst="orthographicFront"/>
-      <a:lightRig rig="threePt" dir="t"/>
-    </dgm:scene3d>
-    <dgm:sp3d/>
-    <dgm:txPr/>
-    <dgm:style>
-      <a:lnRef idx="2">
-        <a:scrgbClr r="0" g="0" b="0"/>
-      </a:lnRef>
-      <a:fillRef idx="0">
-        <a:scrgbClr r="0" g="0" b="0"/>
-      </a:fillRef>
-      <a:effectRef idx="0">
-        <a:scrgbClr r="0" g="0" b="0"/>
-      </a:effectRef>
-      <a:fontRef idx="minor"/>
-    </dgm:style>
-  </dgm:styleLbl>
-  <dgm:styleLbl name="parChTrans1D3">
-    <dgm:scene3d>
-      <a:camera prst="orthographicFront"/>
-      <a:lightRig rig="threePt" dir="t"/>
-    </dgm:scene3d>
-    <dgm:sp3d/>
-    <dgm:txPr/>
-    <dgm:style>
-      <a:lnRef idx="2">
-        <a:scrgbClr r="0" g="0" b="0"/>
-      </a:lnRef>
-      <a:fillRef idx="0">
-        <a:scrgbClr r="0" g="0" b="0"/>
-      </a:fillRef>
-      <a:effectRef idx="0">
-        <a:scrgbClr r="0" g="0" b="0"/>
-      </a:effectRef>
-      <a:fontRef idx="minor"/>
-    </dgm:style>
-  </dgm:styleLbl>
-  <dgm:styleLbl name="parChTrans1D4">
-    <dgm:scene3d>
-      <a:camera prst="orthographicFront"/>
-      <a:lightRig rig="threePt" dir="t"/>
-    </dgm:scene3d>
-    <dgm:sp3d/>
-    <dgm:txPr/>
-    <dgm:style>
-      <a:lnRef idx="2">
-        <a:scrgbClr r="0" g="0" b="0"/>
-      </a:lnRef>
-      <a:fillRef idx="0">
-        <a:scrgbClr r="0" g="0" b="0"/>
-      </a:fillRef>
-      <a:effectRef idx="0">
-        <a:scrgbClr r="0" g="0" b="0"/>
-      </a:effectRef>
-      <a:fontRef idx="minor"/>
-    </dgm:style>
-  </dgm:styleLbl>
-  <dgm:styleLbl name="fgAcc1">
-    <dgm:scene3d>
-      <a:camera prst="orthographicFront"/>
-      <a:lightRig rig="threePt" dir="t"/>
-    </dgm:scene3d>
-    <dgm:sp3d/>
-    <dgm:txPr/>
-    <dgm:style>
-      <a:lnRef idx="2">
-        <a:scrgbClr r="0" g="0" b="0"/>
-      </a:lnRef>
-      <a:fillRef idx="1">
-        <a:scrgbClr r="0" g="0" b="0"/>
-      </a:fillRef>
-      <a:effectRef idx="0">
-        <a:scrgbClr r="0" g="0" b="0"/>
-      </a:effectRef>
-      <a:fontRef idx="minor"/>
-    </dgm:style>
-  </dgm:styleLbl>
-  <dgm:styleLbl name="conFgAcc1">
-    <dgm:scene3d>
-      <a:camera prst="orthographicFront"/>
-      <a:lightRig rig="threePt" dir="t"/>
-    </dgm:scene3d>
-    <dgm:sp3d/>
-    <dgm:txPr/>
-    <dgm:style>
-      <a:lnRef idx="2">
-        <a:scrgbClr r="0" g="0" b="0"/>
-      </a:lnRef>
-      <a:fillRef idx="1">
-        <a:scrgbClr r="0" g="0" b="0"/>
-      </a:fillRef>
-      <a:effectRef idx="0">
-        <a:scrgbClr r="0" g="0" b="0"/>
-      </a:effectRef>
-      <a:fontRef idx="minor"/>
-    </dgm:style>
-  </dgm:styleLbl>
-  <dgm:styleLbl name="alignAcc1">
-    <dgm:scene3d>
-      <a:camera prst="orthographicFront"/>
-      <a:lightRig rig="threePt" dir="t"/>
-    </dgm:scene3d>
-    <dgm:sp3d/>
-    <dgm:txPr/>
-    <dgm:style>
-      <a:lnRef idx="2">
-        <a:scrgbClr r="0" g="0" b="0"/>
-      </a:lnRef>
-      <a:fillRef idx="1">
-        <a:scrgbClr r="0" g="0" b="0"/>
-      </a:fillRef>
-      <a:effectRef idx="0">
-        <a:scrgbClr r="0" g="0" b="0"/>
-      </a:effectRef>
-      <a:fontRef idx="minor"/>
-    </dgm:style>
-  </dgm:styleLbl>
-  <dgm:styleLbl name="trAlignAcc1">
-    <dgm:scene3d>
-      <a:camera prst="orthographicFront"/>
-      <a:lightRig rig="threePt" dir="t"/>
-    </dgm:scene3d>
-    <dgm:sp3d/>
-    <dgm:txPr/>
-    <dgm:style>
-      <a:lnRef idx="1">
-        <a:scrgbClr r="0" g="0" b="0"/>
-      </a:lnRef>
-      <a:fillRef idx="1">
-        <a:scrgbClr r="0" g="0" b="0"/>
-      </a:fillRef>
-      <a:effectRef idx="0">
-        <a:scrgbClr r="0" g="0" b="0"/>
-      </a:effectRef>
-      <a:fontRef idx="minor"/>
-    </dgm:style>
-  </dgm:styleLbl>
-  <dgm:styleLbl name="bgAcc1">
-    <dgm:scene3d>
-      <a:camera prst="orthographicFront"/>
-      <a:lightRig rig="threePt" dir="t"/>
-    </dgm:scene3d>
-    <dgm:sp3d/>
-    <dgm:txPr/>
-    <dgm:style>
-      <a:lnRef idx="2">
-        <a:scrgbClr r="0" g="0" b="0"/>
-      </a:lnRef>
-      <a:fillRef idx="1">
-        <a:scrgbClr r="0" g="0" b="0"/>
-      </a:fillRef>
-      <a:effectRef idx="0">
-        <a:scrgbClr r="0" g="0" b="0"/>
-      </a:effectRef>
-      <a:fontRef idx="minor"/>
-    </dgm:style>
-  </dgm:styleLbl>
-  <dgm:styleLbl name="solidFgAcc1">
-    <dgm:scene3d>
-      <a:camera prst="orthographicFront"/>
-      <a:lightRig rig="threePt" dir="t"/>
-    </dgm:scene3d>
-    <dgm:sp3d/>
-    <dgm:txPr/>
-    <dgm:style>
-      <a:lnRef idx="2">
-        <a:scrgbClr r="0" g="0" b="0"/>
-      </a:lnRef>
-      <a:fillRef idx="1">
-        <a:scrgbClr r="0" g="0" b="0"/>
-      </a:fillRef>
-      <a:effectRef idx="0">
-        <a:scrgbClr r="0" g="0" b="0"/>
-      </a:effectRef>
-      <a:fontRef idx="minor"/>
-    </dgm:style>
-  </dgm:styleLbl>
-  <dgm:styleLbl name="solidAlignAcc1">
-    <dgm:scene3d>
-      <a:camera prst="orthographicFront"/>
-      <a:lightRig rig="threePt" dir="t"/>
-    </dgm:scene3d>
-    <dgm:sp3d/>
-    <dgm:txPr/>
-    <dgm:style>
-      <a:lnRef idx="2">
-        <a:scrgbClr r="0" g="0" b="0"/>
-      </a:lnRef>
-      <a:fillRef idx="1">
-        <a:scrgbClr r="0" g="0" b="0"/>
-      </a:fillRef>
-      <a:effectRef idx="0">
-        <a:scrgbClr r="0" g="0" b="0"/>
-      </a:effectRef>
-      <a:fontRef idx="minor"/>
-    </dgm:style>
-  </dgm:styleLbl>
-  <dgm:styleLbl name="solidBgAcc1">
-    <dgm:scene3d>
-      <a:camera prst="orthographicFront"/>
-      <a:lightRig rig="threePt" dir="t"/>
-    </dgm:scene3d>
-    <dgm:sp3d/>
-    <dgm:txPr/>
-    <dgm:style>
-      <a:lnRef idx="2">
-        <a:scrgbClr r="0" g="0" b="0"/>
-      </a:lnRef>
-      <a:fillRef idx="1">
-        <a:scrgbClr r="0" g="0" b="0"/>
-      </a:fillRef>
-      <a:effectRef idx="0">
-        <a:scrgbClr r="0" g="0" b="0"/>
-      </a:effectRef>
-      <a:fontRef idx="minor"/>
-    </dgm:style>
-  </dgm:styleLbl>
-  <dgm:styleLbl name="fgAccFollowNode1">
-    <dgm:scene3d>
-      <a:camera prst="orthographicFront"/>
-      <a:lightRig rig="threePt" dir="t"/>
-    </dgm:scene3d>
-    <dgm:sp3d/>
-    <dgm:txPr/>
-    <dgm:style>
-      <a:lnRef idx="2">
-        <a:scrgbClr r="0" g="0" b="0"/>
-      </a:lnRef>
-      <a:fillRef idx="1">
-        <a:scrgbClr r="0" g="0" b="0"/>
-      </a:fillRef>
-      <a:effectRef idx="0">
-        <a:scrgbClr r="0" g="0" b="0"/>
-      </a:effectRef>
-      <a:fontRef idx="minor"/>
-    </dgm:style>
-  </dgm:styleLbl>
-  <dgm:styleLbl name="alignAccFollowNode1">
-    <dgm:scene3d>
-      <a:camera prst="orthographicFront"/>
-      <a:lightRig rig="threePt" dir="t"/>
-    </dgm:scene3d>
-    <dgm:sp3d/>
-    <dgm:txPr/>
-    <dgm:style>
-      <a:lnRef idx="2">
-        <a:scrgbClr r="0" g="0" b="0"/>
-      </a:lnRef>
-      <a:fillRef idx="1">
-        <a:scrgbClr r="0" g="0" b="0"/>
-      </a:fillRef>
-      <a:effectRef idx="0">
-        <a:scrgbClr r="0" g="0" b="0"/>
-      </a:effectRef>
-      <a:fontRef idx="minor"/>
-    </dgm:style>
-  </dgm:styleLbl>
-  <dgm:styleLbl name="bgAccFollowNode1">
-    <dgm:scene3d>
-      <a:camera prst="orthographicFront"/>
-      <a:lightRig rig="threePt" dir="t"/>
-    </dgm:scene3d>
-    <dgm:sp3d/>
-    <dgm:txPr/>
-    <dgm:style>
-      <a:lnRef idx="2">
-        <a:scrgbClr r="0" g="0" b="0"/>
-      </a:lnRef>
-      <a:fillRef idx="1">
-        <a:scrgbClr r="0" g="0" b="0"/>
-      </a:fillRef>
-      <a:effectRef idx="0">
-        <a:scrgbClr r="0" g="0" b="0"/>
-      </a:effectRef>
-      <a:fontRef idx="minor"/>
-    </dgm:style>
-  </dgm:styleLbl>
-  <dgm:styleLbl name="fgAcc0">
-    <dgm:scene3d>
-      <a:camera prst="orthographicFront"/>
-      <a:lightRig rig="threePt" dir="t"/>
-    </dgm:scene3d>
-    <dgm:sp3d/>
-    <dgm:txPr/>
-    <dgm:style>
-      <a:lnRef idx="2">
-        <a:scrgbClr r="0" g="0" b="0"/>
-      </a:lnRef>
-      <a:fillRef idx="1">
-        <a:scrgbClr r="0" g="0" b="0"/>
-      </a:fillRef>
-      <a:effectRef idx="0">
-        <a:scrgbClr r="0" g="0" b="0"/>
-      </a:effectRef>
-      <a:fontRef idx="minor"/>
-    </dgm:style>
-  </dgm:styleLbl>
-  <dgm:styleLbl name="fgAcc2">
-    <dgm:scene3d>
-      <a:camera prst="orthographicFront"/>
-      <a:lightRig rig="threePt" dir="t"/>
-    </dgm:scene3d>
-    <dgm:sp3d/>
-    <dgm:txPr/>
-    <dgm:style>
-      <a:lnRef idx="2">
-        <a:scrgbClr r="0" g="0" b="0"/>
-      </a:lnRef>
-      <a:fillRef idx="1">
-        <a:scrgbClr r="0" g="0" b="0"/>
-      </a:fillRef>
-      <a:effectRef idx="0">
-        <a:scrgbClr r="0" g="0" b="0"/>
-      </a:effectRef>
-      <a:fontRef idx="minor"/>
-    </dgm:style>
-  </dgm:styleLbl>
-  <dgm:styleLbl name="fgAcc3">
-    <dgm:scene3d>
-      <a:camera prst="orthographicFront"/>
-      <a:lightRig rig="threePt" dir="t"/>
-    </dgm:scene3d>
-    <dgm:sp3d/>
-    <dgm:txPr/>
-    <dgm:style>
-      <a:lnRef idx="2">
-        <a:scrgbClr r="0" g="0" b="0"/>
-      </a:lnRef>
-      <a:fillRef idx="1">
-        <a:scrgbClr r="0" g="0" b="0"/>
-      </a:fillRef>
-      <a:effectRef idx="0">
-        <a:scrgbClr r="0" g="0" b="0"/>
-      </a:effectRef>
-      <a:fontRef idx="minor"/>
-    </dgm:style>
-  </dgm:styleLbl>
-  <dgm:styleLbl name="fgAcc4">
-    <dgm:scene3d>
-      <a:camera prst="orthographicFront"/>
-      <a:lightRig rig="threePt" dir="t"/>
-    </dgm:scene3d>
-    <dgm:sp3d/>
-    <dgm:txPr/>
-    <dgm:style>
-      <a:lnRef idx="2">
-        <a:scrgbClr r="0" g="0" b="0"/>
-      </a:lnRef>
-      <a:fillRef idx="1">
-        <a:scrgbClr r="0" g="0" b="0"/>
-      </a:fillRef>
-      <a:effectRef idx="0">
-        <a:scrgbClr r="0" g="0" b="0"/>
-      </a:effectRef>
-      <a:fontRef idx="minor"/>
-    </dgm:style>
-  </dgm:styleLbl>
-  <dgm:styleLbl name="bgShp">
-    <dgm:scene3d>
-      <a:camera prst="orthographicFront"/>
-      <a:lightRig rig="threePt" dir="t"/>
-    </dgm:scene3d>
-    <dgm:sp3d/>
-    <dgm:txPr/>
-    <dgm:style>
-      <a:lnRef idx="0">
-        <a:scrgbClr r="0" g="0" b="0"/>
-      </a:lnRef>
-      <a:fillRef idx="1">
-        <a:scrgbClr r="0" g="0" b="0"/>
-      </a:fillRef>
-      <a:effectRef idx="0">
-        <a:scrgbClr r="0" g="0" b="0"/>
-      </a:effectRef>
-      <a:fontRef idx="minor"/>
-    </dgm:style>
-  </dgm:styleLbl>
-  <dgm:styleLbl name="dkBgShp">
-    <dgm:scene3d>
-      <a:camera prst="orthographicFront"/>
-      <a:lightRig rig="threePt" dir="t"/>
-    </dgm:scene3d>
-    <dgm:sp3d/>
-    <dgm:txPr/>
-    <dgm:style>
-      <a:lnRef idx="0">
-        <a:scrgbClr r="0" g="0" b="0"/>
-      </a:lnRef>
-      <a:fillRef idx="1">
-        <a:scrgbClr r="0" g="0" b="0"/>
-      </a:fillRef>
-      <a:effectRef idx="0">
-        <a:scrgbClr r="0" g="0" b="0"/>
-      </a:effectRef>
-      <a:fontRef idx="minor"/>
-    </dgm:style>
-  </dgm:styleLbl>
-  <dgm:styleLbl name="trBgShp">
-    <dgm:scene3d>
-      <a:camera prst="orthographicFront"/>
-      <a:lightRig rig="threePt" dir="t"/>
-    </dgm:scene3d>
-    <dgm:sp3d/>
-    <dgm:txPr/>
-    <dgm:style>
-      <a:lnRef idx="0">
-        <a:scrgbClr r="0" g="0" b="0"/>
-      </a:lnRef>
-      <a:fillRef idx="1">
-        <a:scrgbClr r="0" g="0" b="0"/>
-      </a:fillRef>
-      <a:effectRef idx="0">
-        <a:scrgbClr r="0" g="0" b="0"/>
-      </a:effectRef>
-      <a:fontRef idx="minor"/>
-    </dgm:style>
-  </dgm:styleLbl>
-  <dgm:styleLbl name="fgShp">
-    <dgm:scene3d>
-      <a:camera prst="orthographicFront"/>
-      <a:lightRig rig="threePt" dir="t"/>
-    </dgm:scene3d>
-    <dgm:sp3d/>
-    <dgm:txPr/>
-    <dgm:style>
-      <a:lnRef idx="2">
-        <a:scrgbClr r="0" g="0" b="0"/>
-      </a:lnRef>
-      <a:fillRef idx="1">
-        <a:scrgbClr r="0" g="0" b="0"/>
-      </a:fillRef>
-      <a:effectRef idx="0">
-        <a:scrgbClr r="0" g="0" b="0"/>
-      </a:effectRef>
-      <a:fontRef idx="minor"/>
-    </dgm:style>
-  </dgm:styleLbl>
-  <dgm:styleLbl name="revTx">
-    <dgm:scene3d>
-      <a:camera prst="orthographicFront"/>
-      <a:lightRig rig="threePt" dir="t"/>
-    </dgm:scene3d>
-    <dgm:sp3d/>
-    <dgm:txPr/>
-    <dgm:style>
-      <a:lnRef idx="0">
-        <a:scrgbClr r="0" g="0" b="0"/>
-      </a:lnRef>
-      <a:fillRef idx="0">
-        <a:scrgbClr r="0" g="0" b="0"/>
-      </a:fillRef>
-      <a:effectRef idx="0">
-        <a:scrgbClr r="0" g="0" b="0"/>
-      </a:effectRef>
-      <a:fontRef idx="minor"/>
-    </dgm:style>
-  </dgm:styleLbl>
-</dgm:styleDef>
 </file>
 
 <file path=ppt/slideLayouts/slideLayout1.xml><?xml version="1.0" encoding="utf-8"?>
@@ -6009,34 +3337,804 @@
           <a:chExt cx="0" cy="0"/>
         </a:xfrm>
       </p:grpSpPr>
-      <p:graphicFrame>
-        <p:nvGraphicFramePr>
-          <p:cNvPr id="5" name="Diagram 4">
-            <a:extLst>
-              <a:ext uri="{FF2B5EF4-FFF2-40B4-BE49-F238E27FC236}">
-                <a16:creationId xmlns:a16="http://schemas.microsoft.com/office/drawing/2014/main" id="{84316C64-F003-FFAE-5952-CB8AC6618E86}"/>
-              </a:ext>
-            </a:extLst>
-          </p:cNvPr>
-          <p:cNvGraphicFramePr/>
-          <p:nvPr>
-            <p:extLst>
-              <p:ext uri="{D42A27DB-BD31-4B8C-83A1-F6EECF244321}">
-                <p14:modId xmlns:p14="http://schemas.microsoft.com/office/powerpoint/2010/main" val="1155747541"/>
-              </p:ext>
-            </p:extLst>
-          </p:nvPr>
-        </p:nvGraphicFramePr>
-        <p:xfrm>
-          <a:off x="1704931" y="122129"/>
-          <a:ext cx="8782137" cy="6613742"/>
-        </p:xfrm>
-        <a:graphic>
-          <a:graphicData uri="http://schemas.openxmlformats.org/drawingml/2006/diagram">
-            <dgm:relIds xmlns:dgm="http://schemas.openxmlformats.org/drawingml/2006/diagram" xmlns:r="http://schemas.openxmlformats.org/officeDocument/2006/relationships" r:dm="rId2" r:lo="rId3" r:qs="rId4" r:cs="rId5"/>
-          </a:graphicData>
-        </a:graphic>
-      </p:graphicFrame>
+      <p:sp>
+        <p:nvSpPr>
+          <p:cNvPr id="35" name="Trapezium 34">
+            <a:extLst>
+              <a:ext uri="{FF2B5EF4-FFF2-40B4-BE49-F238E27FC236}">
+                <a16:creationId xmlns:a16="http://schemas.microsoft.com/office/drawing/2014/main" id="{176EF1D7-07FD-C549-BC5B-7D881FCE04DF}"/>
+              </a:ext>
+            </a:extLst>
+          </p:cNvPr>
+          <p:cNvSpPr/>
+          <p:nvPr/>
+        </p:nvSpPr>
+        <p:spPr>
+          <a:xfrm rot="5400000">
+            <a:off x="3224287" y="2123285"/>
+            <a:ext cx="2714739" cy="2625464"/>
+          </a:xfrm>
+          <a:prstGeom prst="trapezoid">
+            <a:avLst>
+              <a:gd name="adj" fmla="val 40557"/>
+            </a:avLst>
+          </a:prstGeom>
+          <a:gradFill>
+            <a:gsLst>
+              <a:gs pos="50000">
+                <a:srgbClr val="67C2CD"/>
+              </a:gs>
+              <a:gs pos="70000">
+                <a:srgbClr val="A8DCE2"/>
+              </a:gs>
+              <a:gs pos="30000">
+                <a:srgbClr val="0099AB"/>
+              </a:gs>
+              <a:gs pos="2000">
+                <a:srgbClr val="004F71"/>
+              </a:gs>
+              <a:gs pos="31000">
+                <a:srgbClr val="0099AB"/>
+              </a:gs>
+              <a:gs pos="100000">
+                <a:schemeClr val="bg1"/>
+              </a:gs>
+            </a:gsLst>
+            <a:lin ang="5400000" scaled="1"/>
+          </a:gradFill>
+          <a:ln>
+            <a:noFill/>
+          </a:ln>
+        </p:spPr>
+        <p:style>
+          <a:lnRef idx="2">
+            <a:schemeClr val="accent1">
+              <a:shade val="50000"/>
+            </a:schemeClr>
+          </a:lnRef>
+          <a:fillRef idx="1">
+            <a:schemeClr val="accent1"/>
+          </a:fillRef>
+          <a:effectRef idx="0">
+            <a:schemeClr val="accent1"/>
+          </a:effectRef>
+          <a:fontRef idx="minor">
+            <a:schemeClr val="lt1"/>
+          </a:fontRef>
+        </p:style>
+        <p:txBody>
+          <a:bodyPr rtlCol="0" anchor="ctr"/>
+          <a:lstStyle/>
+          <a:p>
+            <a:pPr algn="ctr"/>
+            <a:endParaRPr lang="en-GB"/>
+          </a:p>
+        </p:txBody>
+      </p:sp>
+      <p:pic>
+        <p:nvPicPr>
+          <p:cNvPr id="8" name="Picture 7" descr="Diagram, shape, schematic&#10;&#10;Description automatically generated">
+            <a:extLst>
+              <a:ext uri="{FF2B5EF4-FFF2-40B4-BE49-F238E27FC236}">
+                <a16:creationId xmlns:a16="http://schemas.microsoft.com/office/drawing/2014/main" id="{51E2C067-1E22-9EC4-94D4-EEC139350D0D}"/>
+              </a:ext>
+            </a:extLst>
+          </p:cNvPr>
+          <p:cNvPicPr>
+            <a:picLocks noChangeAspect="1"/>
+          </p:cNvPicPr>
+          <p:nvPr/>
+        </p:nvPicPr>
+        <p:blipFill>
+          <a:blip r:embed="rId2"/>
+          <a:stretch>
+            <a:fillRect/>
+          </a:stretch>
+        </p:blipFill>
+        <p:spPr>
+          <a:xfrm rot="9015666">
+            <a:off x="3461355" y="2302843"/>
+            <a:ext cx="692410" cy="692410"/>
+          </a:xfrm>
+          <a:prstGeom prst="rect">
+            <a:avLst/>
+          </a:prstGeom>
+        </p:spPr>
+      </p:pic>
+      <p:pic>
+        <p:nvPicPr>
+          <p:cNvPr id="10" name="Picture 9" descr="Diagram, schematic&#10;&#10;Description automatically generated">
+            <a:extLst>
+              <a:ext uri="{FF2B5EF4-FFF2-40B4-BE49-F238E27FC236}">
+                <a16:creationId xmlns:a16="http://schemas.microsoft.com/office/drawing/2014/main" id="{8E6D622F-A4D6-6B13-F6B1-4607528F4968}"/>
+              </a:ext>
+            </a:extLst>
+          </p:cNvPr>
+          <p:cNvPicPr>
+            <a:picLocks noChangeAspect="1"/>
+          </p:cNvPicPr>
+          <p:nvPr/>
+        </p:nvPicPr>
+        <p:blipFill>
+          <a:blip r:embed="rId3"/>
+          <a:stretch>
+            <a:fillRect/>
+          </a:stretch>
+        </p:blipFill>
+        <p:spPr>
+          <a:xfrm rot="3522952">
+            <a:off x="2762639" y="3745353"/>
+            <a:ext cx="850520" cy="850520"/>
+          </a:xfrm>
+          <a:prstGeom prst="rect">
+            <a:avLst/>
+          </a:prstGeom>
+        </p:spPr>
+      </p:pic>
+      <p:pic>
+        <p:nvPicPr>
+          <p:cNvPr id="14" name="Picture 13" descr="Diagram, schematic&#10;&#10;Description automatically generated">
+            <a:extLst>
+              <a:ext uri="{FF2B5EF4-FFF2-40B4-BE49-F238E27FC236}">
+                <a16:creationId xmlns:a16="http://schemas.microsoft.com/office/drawing/2014/main" id="{4960F26D-82CE-49C3-7C64-ABAD21116FC6}"/>
+              </a:ext>
+            </a:extLst>
+          </p:cNvPr>
+          <p:cNvPicPr>
+            <a:picLocks noChangeAspect="1"/>
+          </p:cNvPicPr>
+          <p:nvPr/>
+        </p:nvPicPr>
+        <p:blipFill>
+          <a:blip r:embed="rId4"/>
+          <a:stretch>
+            <a:fillRect/>
+          </a:stretch>
+        </p:blipFill>
+        <p:spPr>
+          <a:xfrm rot="17114707">
+            <a:off x="5215381" y="3044787"/>
+            <a:ext cx="589890" cy="589890"/>
+          </a:xfrm>
+          <a:prstGeom prst="rect">
+            <a:avLst/>
+          </a:prstGeom>
+        </p:spPr>
+      </p:pic>
+      <p:pic>
+        <p:nvPicPr>
+          <p:cNvPr id="16" name="Picture 15" descr="Diagram, schematic&#10;&#10;Description automatically generated">
+            <a:extLst>
+              <a:ext uri="{FF2B5EF4-FFF2-40B4-BE49-F238E27FC236}">
+                <a16:creationId xmlns:a16="http://schemas.microsoft.com/office/drawing/2014/main" id="{92DF977A-EF49-17F1-E1F9-21C4FB879165}"/>
+              </a:ext>
+            </a:extLst>
+          </p:cNvPr>
+          <p:cNvPicPr>
+            <a:picLocks noChangeAspect="1"/>
+          </p:cNvPicPr>
+          <p:nvPr/>
+        </p:nvPicPr>
+        <p:blipFill>
+          <a:blip r:embed="rId5"/>
+          <a:stretch>
+            <a:fillRect/>
+          </a:stretch>
+        </p:blipFill>
+        <p:spPr>
+          <a:xfrm rot="8139831">
+            <a:off x="3314977" y="3192770"/>
+            <a:ext cx="710985" cy="710985"/>
+          </a:xfrm>
+          <a:prstGeom prst="rect">
+            <a:avLst/>
+          </a:prstGeom>
+        </p:spPr>
+      </p:pic>
+      <p:pic>
+        <p:nvPicPr>
+          <p:cNvPr id="18" name="Picture 17" descr="Diagram, shape, schematic, arrow&#10;&#10;Description automatically generated">
+            <a:extLst>
+              <a:ext uri="{FF2B5EF4-FFF2-40B4-BE49-F238E27FC236}">
+                <a16:creationId xmlns:a16="http://schemas.microsoft.com/office/drawing/2014/main" id="{BE8B2A89-4D86-7773-1A5B-B00A63CC2C7B}"/>
+              </a:ext>
+            </a:extLst>
+          </p:cNvPr>
+          <p:cNvPicPr>
+            <a:picLocks noChangeAspect="1"/>
+          </p:cNvPicPr>
+          <p:nvPr/>
+        </p:nvPicPr>
+        <p:blipFill>
+          <a:blip r:embed="rId6"/>
+          <a:stretch>
+            <a:fillRect/>
+          </a:stretch>
+        </p:blipFill>
+        <p:spPr>
+          <a:xfrm rot="20307308">
+            <a:off x="3655311" y="3786792"/>
+            <a:ext cx="735957" cy="735957"/>
+          </a:xfrm>
+          <a:prstGeom prst="rect">
+            <a:avLst/>
+          </a:prstGeom>
+        </p:spPr>
+      </p:pic>
+      <p:pic>
+        <p:nvPicPr>
+          <p:cNvPr id="20" name="Picture 19" descr="Diagram, schematic&#10;&#10;Description automatically generated">
+            <a:extLst>
+              <a:ext uri="{FF2B5EF4-FFF2-40B4-BE49-F238E27FC236}">
+                <a16:creationId xmlns:a16="http://schemas.microsoft.com/office/drawing/2014/main" id="{F65E1727-41C7-F692-2BC4-7ABC6B818C76}"/>
+              </a:ext>
+            </a:extLst>
+          </p:cNvPr>
+          <p:cNvPicPr>
+            <a:picLocks noChangeAspect="1"/>
+          </p:cNvPicPr>
+          <p:nvPr/>
+        </p:nvPicPr>
+        <p:blipFill>
+          <a:blip r:embed="rId7"/>
+          <a:stretch>
+            <a:fillRect/>
+          </a:stretch>
+        </p:blipFill>
+        <p:spPr>
+          <a:xfrm flipV="1">
+            <a:off x="4485454" y="3522483"/>
+            <a:ext cx="589890" cy="589890"/>
+          </a:xfrm>
+          <a:prstGeom prst="rect">
+            <a:avLst/>
+          </a:prstGeom>
+        </p:spPr>
+      </p:pic>
+      <p:pic>
+        <p:nvPicPr>
+          <p:cNvPr id="22" name="Picture 21" descr="A screenshot of a computer screen&#10;&#10;Description automatically generated with low confidence">
+            <a:extLst>
+              <a:ext uri="{FF2B5EF4-FFF2-40B4-BE49-F238E27FC236}">
+                <a16:creationId xmlns:a16="http://schemas.microsoft.com/office/drawing/2014/main" id="{43C4135E-27A1-A4D4-D919-BB596918A268}"/>
+              </a:ext>
+            </a:extLst>
+          </p:cNvPr>
+          <p:cNvPicPr>
+            <a:picLocks noChangeAspect="1"/>
+          </p:cNvPicPr>
+          <p:nvPr/>
+        </p:nvPicPr>
+        <p:blipFill>
+          <a:blip r:embed="rId8"/>
+          <a:stretch>
+            <a:fillRect/>
+          </a:stretch>
+        </p:blipFill>
+        <p:spPr>
+          <a:xfrm>
+            <a:off x="4237080" y="2708432"/>
+            <a:ext cx="589890" cy="589890"/>
+          </a:xfrm>
+          <a:prstGeom prst="rect">
+            <a:avLst/>
+          </a:prstGeom>
+        </p:spPr>
+      </p:pic>
+      <p:pic>
+        <p:nvPicPr>
+          <p:cNvPr id="24" name="Picture 23" descr="A picture containing schematic&#10;&#10;Description automatically generated">
+            <a:extLst>
+              <a:ext uri="{FF2B5EF4-FFF2-40B4-BE49-F238E27FC236}">
+                <a16:creationId xmlns:a16="http://schemas.microsoft.com/office/drawing/2014/main" id="{0CAA6D5F-4F16-B962-512E-2C2E498A89ED}"/>
+              </a:ext>
+            </a:extLst>
+          </p:cNvPr>
+          <p:cNvPicPr>
+            <a:picLocks noChangeAspect="1"/>
+          </p:cNvPicPr>
+          <p:nvPr/>
+        </p:nvPicPr>
+        <p:blipFill>
+          <a:blip r:embed="rId9"/>
+          <a:stretch>
+            <a:fillRect/>
+          </a:stretch>
+        </p:blipFill>
+        <p:spPr>
+          <a:xfrm rot="4821929">
+            <a:off x="4658461" y="2923075"/>
+            <a:ext cx="589891" cy="589891"/>
+          </a:xfrm>
+          <a:prstGeom prst="rect">
+            <a:avLst/>
+          </a:prstGeom>
+        </p:spPr>
+      </p:pic>
+      <p:pic>
+        <p:nvPicPr>
+          <p:cNvPr id="26" name="Picture 25" descr="Diagram, schematic&#10;&#10;Description automatically generated">
+            <a:extLst>
+              <a:ext uri="{FF2B5EF4-FFF2-40B4-BE49-F238E27FC236}">
+                <a16:creationId xmlns:a16="http://schemas.microsoft.com/office/drawing/2014/main" id="{12DF4E7A-73D6-EB3F-FE89-52BBC8A77766}"/>
+              </a:ext>
+            </a:extLst>
+          </p:cNvPr>
+          <p:cNvPicPr>
+            <a:picLocks noChangeAspect="1"/>
+          </p:cNvPicPr>
+          <p:nvPr/>
+        </p:nvPicPr>
+        <p:blipFill>
+          <a:blip r:embed="rId10"/>
+          <a:stretch>
+            <a:fillRect/>
+          </a:stretch>
+        </p:blipFill>
+        <p:spPr>
+          <a:xfrm rot="20190661">
+            <a:off x="3954760" y="2982803"/>
+            <a:ext cx="590577" cy="590577"/>
+          </a:xfrm>
+          <a:prstGeom prst="rect">
+            <a:avLst/>
+          </a:prstGeom>
+        </p:spPr>
+      </p:pic>
+      <p:pic>
+        <p:nvPicPr>
+          <p:cNvPr id="28" name="Picture 27" descr="A screenshot of a computer screen&#10;&#10;Description automatically generated with low confidence">
+            <a:extLst>
+              <a:ext uri="{FF2B5EF4-FFF2-40B4-BE49-F238E27FC236}">
+                <a16:creationId xmlns:a16="http://schemas.microsoft.com/office/drawing/2014/main" id="{CADFF85A-F24D-6FCA-8EAA-2E6F90CD4E63}"/>
+              </a:ext>
+            </a:extLst>
+          </p:cNvPr>
+          <p:cNvPicPr>
+            <a:picLocks noChangeAspect="1"/>
+          </p:cNvPicPr>
+          <p:nvPr/>
+        </p:nvPicPr>
+        <p:blipFill>
+          <a:blip r:embed="rId11"/>
+          <a:stretch>
+            <a:fillRect/>
+          </a:stretch>
+        </p:blipFill>
+        <p:spPr>
+          <a:xfrm rot="18332898">
+            <a:off x="4156795" y="3366655"/>
+            <a:ext cx="589890" cy="589890"/>
+          </a:xfrm>
+          <a:prstGeom prst="rect">
+            <a:avLst/>
+          </a:prstGeom>
+        </p:spPr>
+      </p:pic>
+      <p:pic>
+        <p:nvPicPr>
+          <p:cNvPr id="30" name="Picture 29" descr="A screenshot of a computer screen&#10;&#10;Description automatically generated with low confidence">
+            <a:extLst>
+              <a:ext uri="{FF2B5EF4-FFF2-40B4-BE49-F238E27FC236}">
+                <a16:creationId xmlns:a16="http://schemas.microsoft.com/office/drawing/2014/main" id="{463643C2-A028-5EC3-C176-AAB9012DF807}"/>
+              </a:ext>
+            </a:extLst>
+          </p:cNvPr>
+          <p:cNvPicPr>
+            <a:picLocks noChangeAspect="1"/>
+          </p:cNvPicPr>
+          <p:nvPr/>
+        </p:nvPicPr>
+        <p:blipFill>
+          <a:blip r:embed="rId12"/>
+          <a:stretch>
+            <a:fillRect/>
+          </a:stretch>
+        </p:blipFill>
+        <p:spPr>
+          <a:xfrm rot="12614505">
+            <a:off x="3117070" y="2751318"/>
+            <a:ext cx="673220" cy="673220"/>
+          </a:xfrm>
+          <a:prstGeom prst="rect">
+            <a:avLst/>
+          </a:prstGeom>
+        </p:spPr>
+      </p:pic>
+      <p:pic>
+        <p:nvPicPr>
+          <p:cNvPr id="31" name="Picture 30">
+            <a:extLst>
+              <a:ext uri="{FF2B5EF4-FFF2-40B4-BE49-F238E27FC236}">
+                <a16:creationId xmlns:a16="http://schemas.microsoft.com/office/drawing/2014/main" id="{5ED1092A-9BF7-1F93-3E93-C091080CC843}"/>
+              </a:ext>
+            </a:extLst>
+          </p:cNvPr>
+          <p:cNvPicPr>
+            <a:picLocks noChangeAspect="1"/>
+          </p:cNvPicPr>
+          <p:nvPr/>
+        </p:nvPicPr>
+        <p:blipFill rotWithShape="1">
+          <a:blip r:embed="rId13"/>
+          <a:srcRect l="18757" t="12311" r="39618" b="3317"/>
+          <a:stretch/>
+        </p:blipFill>
+        <p:spPr>
+          <a:xfrm>
+            <a:off x="768306" y="2523168"/>
+            <a:ext cx="1535829" cy="1825696"/>
+          </a:xfrm>
+          <a:prstGeom prst="rect">
+            <a:avLst/>
+          </a:prstGeom>
+        </p:spPr>
+      </p:pic>
+      <p:sp>
+        <p:nvSpPr>
+          <p:cNvPr id="33" name="Notched Right Arrow 32">
+            <a:extLst>
+              <a:ext uri="{FF2B5EF4-FFF2-40B4-BE49-F238E27FC236}">
+                <a16:creationId xmlns:a16="http://schemas.microsoft.com/office/drawing/2014/main" id="{D065264F-06C3-ECFB-779E-1EAC9A883B18}"/>
+              </a:ext>
+            </a:extLst>
+          </p:cNvPr>
+          <p:cNvSpPr/>
+          <p:nvPr/>
+        </p:nvSpPr>
+        <p:spPr>
+          <a:xfrm>
+            <a:off x="2567417" y="3261276"/>
+            <a:ext cx="501041" cy="349480"/>
+          </a:xfrm>
+          <a:prstGeom prst="notchedRightArrow">
+            <a:avLst/>
+          </a:prstGeom>
+          <a:solidFill>
+            <a:srgbClr val="004F71"/>
+          </a:solidFill>
+          <a:ln>
+            <a:noFill/>
+          </a:ln>
+        </p:spPr>
+        <p:style>
+          <a:lnRef idx="2">
+            <a:schemeClr val="accent1">
+              <a:shade val="50000"/>
+            </a:schemeClr>
+          </a:lnRef>
+          <a:fillRef idx="1">
+            <a:schemeClr val="accent1"/>
+          </a:fillRef>
+          <a:effectRef idx="0">
+            <a:schemeClr val="accent1"/>
+          </a:effectRef>
+          <a:fontRef idx="minor">
+            <a:schemeClr val="lt1"/>
+          </a:fontRef>
+        </p:style>
+        <p:txBody>
+          <a:bodyPr rtlCol="0" anchor="ctr"/>
+          <a:lstStyle/>
+          <a:p>
+            <a:pPr algn="ctr"/>
+            <a:endParaRPr lang="en-GB"/>
+          </a:p>
+        </p:txBody>
+      </p:sp>
+      <p:pic>
+        <p:nvPicPr>
+          <p:cNvPr id="36" name="Picture 35" descr="Diagram, schematic&#10;&#10;Description automatically generated">
+            <a:extLst>
+              <a:ext uri="{FF2B5EF4-FFF2-40B4-BE49-F238E27FC236}">
+                <a16:creationId xmlns:a16="http://schemas.microsoft.com/office/drawing/2014/main" id="{08531174-760D-0E4E-81DC-521E4E9CB693}"/>
+              </a:ext>
+            </a:extLst>
+          </p:cNvPr>
+          <p:cNvPicPr>
+            <a:picLocks noChangeAspect="1"/>
+          </p:cNvPicPr>
+          <p:nvPr/>
+        </p:nvPicPr>
+        <p:blipFill>
+          <a:blip r:embed="rId10"/>
+          <a:stretch>
+            <a:fillRect/>
+          </a:stretch>
+        </p:blipFill>
+        <p:spPr>
+          <a:xfrm rot="8542320">
+            <a:off x="5048377" y="3153306"/>
+            <a:ext cx="744940" cy="744940"/>
+          </a:xfrm>
+          <a:prstGeom prst="rect">
+            <a:avLst/>
+          </a:prstGeom>
+        </p:spPr>
+      </p:pic>
+      <p:pic>
+        <p:nvPicPr>
+          <p:cNvPr id="42" name="Picture 41" descr="Shape&#10;&#10;Description automatically generated with medium confidence">
+            <a:extLst>
+              <a:ext uri="{FF2B5EF4-FFF2-40B4-BE49-F238E27FC236}">
+                <a16:creationId xmlns:a16="http://schemas.microsoft.com/office/drawing/2014/main" id="{432B4219-2949-6F67-C58A-4446D6114A2C}"/>
+              </a:ext>
+            </a:extLst>
+          </p:cNvPr>
+          <p:cNvPicPr>
+            <a:picLocks noChangeAspect="1"/>
+          </p:cNvPicPr>
+          <p:nvPr/>
+        </p:nvPicPr>
+        <p:blipFill>
+          <a:blip r:embed="rId14"/>
+          <a:stretch>
+            <a:fillRect/>
+          </a:stretch>
+        </p:blipFill>
+        <p:spPr>
+          <a:xfrm>
+            <a:off x="6319529" y="2771560"/>
+            <a:ext cx="1325063" cy="1325063"/>
+          </a:xfrm>
+          <a:prstGeom prst="rect">
+            <a:avLst/>
+          </a:prstGeom>
+        </p:spPr>
+      </p:pic>
+      <p:sp>
+        <p:nvSpPr>
+          <p:cNvPr id="43" name="Notched Right Arrow 42">
+            <a:extLst>
+              <a:ext uri="{FF2B5EF4-FFF2-40B4-BE49-F238E27FC236}">
+                <a16:creationId xmlns:a16="http://schemas.microsoft.com/office/drawing/2014/main" id="{B25CA4A6-270F-4BE8-16E3-BDBE8E4633B1}"/>
+              </a:ext>
+            </a:extLst>
+          </p:cNvPr>
+          <p:cNvSpPr/>
+          <p:nvPr/>
+        </p:nvSpPr>
+        <p:spPr>
+          <a:xfrm>
+            <a:off x="8062113" y="3263945"/>
+            <a:ext cx="501041" cy="349480"/>
+          </a:xfrm>
+          <a:prstGeom prst="notchedRightArrow">
+            <a:avLst/>
+          </a:prstGeom>
+          <a:solidFill>
+            <a:srgbClr val="004F71"/>
+          </a:solidFill>
+          <a:ln>
+            <a:noFill/>
+          </a:ln>
+        </p:spPr>
+        <p:style>
+          <a:lnRef idx="2">
+            <a:schemeClr val="accent1">
+              <a:shade val="50000"/>
+            </a:schemeClr>
+          </a:lnRef>
+          <a:fillRef idx="1">
+            <a:schemeClr val="accent1"/>
+          </a:fillRef>
+          <a:effectRef idx="0">
+            <a:schemeClr val="accent1"/>
+          </a:effectRef>
+          <a:fontRef idx="minor">
+            <a:schemeClr val="lt1"/>
+          </a:fontRef>
+        </p:style>
+        <p:txBody>
+          <a:bodyPr rtlCol="0" anchor="ctr"/>
+          <a:lstStyle/>
+          <a:p>
+            <a:pPr algn="ctr"/>
+            <a:endParaRPr lang="en-GB"/>
+          </a:p>
+        </p:txBody>
+      </p:sp>
+      <p:pic>
+        <p:nvPicPr>
+          <p:cNvPr id="45" name="Picture 44">
+            <a:extLst>
+              <a:ext uri="{FF2B5EF4-FFF2-40B4-BE49-F238E27FC236}">
+                <a16:creationId xmlns:a16="http://schemas.microsoft.com/office/drawing/2014/main" id="{A6A8B209-506C-D0DB-F982-9E63BC12ACD5}"/>
+              </a:ext>
+            </a:extLst>
+          </p:cNvPr>
+          <p:cNvPicPr>
+            <a:picLocks noChangeAspect="1"/>
+          </p:cNvPicPr>
+          <p:nvPr/>
+        </p:nvPicPr>
+        <p:blipFill>
+          <a:blip r:embed="rId15"/>
+          <a:stretch>
+            <a:fillRect/>
+          </a:stretch>
+        </p:blipFill>
+        <p:spPr>
+          <a:xfrm>
+            <a:off x="8749432" y="2439180"/>
+            <a:ext cx="3314032" cy="1979640"/>
+          </a:xfrm>
+          <a:prstGeom prst="rect">
+            <a:avLst/>
+          </a:prstGeom>
+        </p:spPr>
+      </p:pic>
+      <p:sp>
+        <p:nvSpPr>
+          <p:cNvPr id="46" name="TextBox 45">
+            <a:extLst>
+              <a:ext uri="{FF2B5EF4-FFF2-40B4-BE49-F238E27FC236}">
+                <a16:creationId xmlns:a16="http://schemas.microsoft.com/office/drawing/2014/main" id="{3F230D23-9378-5DD7-03F8-2DB409DBCD3D}"/>
+              </a:ext>
+            </a:extLst>
+          </p:cNvPr>
+          <p:cNvSpPr txBox="1"/>
+          <p:nvPr/>
+        </p:nvSpPr>
+        <p:spPr>
+          <a:xfrm>
+            <a:off x="657198" y="4793387"/>
+            <a:ext cx="1910219" cy="646331"/>
+          </a:xfrm>
+          <a:prstGeom prst="rect">
+            <a:avLst/>
+          </a:prstGeom>
+          <a:noFill/>
+        </p:spPr>
+        <p:txBody>
+          <a:bodyPr wrap="square" rtlCol="0">
+            <a:spAutoFit/>
+          </a:bodyPr>
+          <a:lstStyle/>
+          <a:p>
+            <a:pPr algn="ctr"/>
+            <a:r>
+              <a:rPr lang="en-GB" dirty="0">
+                <a:latin typeface="CMU Serif Roman" panose="02000603000000000000" pitchFamily="2" charset="0"/>
+                <a:ea typeface="CMU Serif Roman" panose="02000603000000000000" pitchFamily="2" charset="0"/>
+                <a:cs typeface="CMU Serif Roman" panose="02000603000000000000" pitchFamily="2" charset="0"/>
+              </a:rPr>
+              <a:t>Target </a:t>
+            </a:r>
+          </a:p>
+          <a:p>
+            <a:pPr algn="ctr"/>
+            <a:r>
+              <a:rPr lang="en-GB" dirty="0">
+                <a:latin typeface="CMU Serif Roman" panose="02000603000000000000" pitchFamily="2" charset="0"/>
+                <a:ea typeface="CMU Serif Roman" panose="02000603000000000000" pitchFamily="2" charset="0"/>
+                <a:cs typeface="CMU Serif Roman" panose="02000603000000000000" pitchFamily="2" charset="0"/>
+              </a:rPr>
+              <a:t>crystal structure</a:t>
+            </a:r>
+          </a:p>
+        </p:txBody>
+      </p:sp>
+      <p:sp>
+        <p:nvSpPr>
+          <p:cNvPr id="47" name="TextBox 46">
+            <a:extLst>
+              <a:ext uri="{FF2B5EF4-FFF2-40B4-BE49-F238E27FC236}">
+                <a16:creationId xmlns:a16="http://schemas.microsoft.com/office/drawing/2014/main" id="{4C0E80A5-A043-3C98-CEA5-D111B1AC5866}"/>
+              </a:ext>
+            </a:extLst>
+          </p:cNvPr>
+          <p:cNvSpPr txBox="1"/>
+          <p:nvPr/>
+        </p:nvSpPr>
+        <p:spPr>
+          <a:xfrm>
+            <a:off x="3137753" y="4802068"/>
+            <a:ext cx="2565656" cy="646331"/>
+          </a:xfrm>
+          <a:prstGeom prst="rect">
+            <a:avLst/>
+          </a:prstGeom>
+          <a:noFill/>
+        </p:spPr>
+        <p:txBody>
+          <a:bodyPr wrap="square" rtlCol="0">
+            <a:spAutoFit/>
+          </a:bodyPr>
+          <a:lstStyle/>
+          <a:p>
+            <a:pPr algn="ctr"/>
+            <a:r>
+              <a:rPr lang="en-GB" dirty="0">
+                <a:latin typeface="CMU Serif Roman" panose="02000603000000000000" pitchFamily="2" charset="0"/>
+                <a:ea typeface="CMU Serif Roman" panose="02000603000000000000" pitchFamily="2" charset="0"/>
+                <a:cs typeface="CMU Serif Roman" panose="02000603000000000000" pitchFamily="2" charset="0"/>
+              </a:rPr>
+              <a:t>Virtual screening with molecular docking</a:t>
+            </a:r>
+          </a:p>
+        </p:txBody>
+      </p:sp>
+      <p:sp>
+        <p:nvSpPr>
+          <p:cNvPr id="48" name="TextBox 47">
+            <a:extLst>
+              <a:ext uri="{FF2B5EF4-FFF2-40B4-BE49-F238E27FC236}">
+                <a16:creationId xmlns:a16="http://schemas.microsoft.com/office/drawing/2014/main" id="{B1CAEB71-3466-E59E-4F9A-3B291BBDE74B}"/>
+              </a:ext>
+            </a:extLst>
+          </p:cNvPr>
+          <p:cNvSpPr txBox="1"/>
+          <p:nvPr/>
+        </p:nvSpPr>
+        <p:spPr>
+          <a:xfrm>
+            <a:off x="5746977" y="4931886"/>
+            <a:ext cx="2565656" cy="369332"/>
+          </a:xfrm>
+          <a:prstGeom prst="rect">
+            <a:avLst/>
+          </a:prstGeom>
+          <a:noFill/>
+        </p:spPr>
+        <p:txBody>
+          <a:bodyPr wrap="square" rtlCol="0">
+            <a:spAutoFit/>
+          </a:bodyPr>
+          <a:lstStyle/>
+          <a:p>
+            <a:pPr algn="ctr"/>
+            <a:r>
+              <a:rPr lang="en-GB" dirty="0">
+                <a:latin typeface="CMU Serif Roman" panose="02000603000000000000" pitchFamily="2" charset="0"/>
+                <a:ea typeface="CMU Serif Roman" panose="02000603000000000000" pitchFamily="2" charset="0"/>
+                <a:cs typeface="CMU Serif Roman" panose="02000603000000000000" pitchFamily="2" charset="0"/>
+              </a:rPr>
+              <a:t>Lead discovery</a:t>
+            </a:r>
+          </a:p>
+        </p:txBody>
+      </p:sp>
+      <p:sp>
+        <p:nvSpPr>
+          <p:cNvPr id="49" name="TextBox 48">
+            <a:extLst>
+              <a:ext uri="{FF2B5EF4-FFF2-40B4-BE49-F238E27FC236}">
+                <a16:creationId xmlns:a16="http://schemas.microsoft.com/office/drawing/2014/main" id="{85B62E89-9FC4-486E-8655-45637F2CB36E}"/>
+              </a:ext>
+            </a:extLst>
+          </p:cNvPr>
+          <p:cNvSpPr txBox="1"/>
+          <p:nvPr/>
+        </p:nvSpPr>
+        <p:spPr>
+          <a:xfrm>
+            <a:off x="9123620" y="4654887"/>
+            <a:ext cx="2565656" cy="923330"/>
+          </a:xfrm>
+          <a:prstGeom prst="rect">
+            <a:avLst/>
+          </a:prstGeom>
+          <a:noFill/>
+        </p:spPr>
+        <p:txBody>
+          <a:bodyPr wrap="square" rtlCol="0">
+            <a:spAutoFit/>
+          </a:bodyPr>
+          <a:lstStyle/>
+          <a:p>
+            <a:pPr algn="ctr"/>
+            <a:r>
+              <a:rPr lang="en-GB" dirty="0">
+                <a:latin typeface="CMU Serif Roman" panose="02000603000000000000" pitchFamily="2" charset="0"/>
+                <a:ea typeface="CMU Serif Roman" panose="02000603000000000000" pitchFamily="2" charset="0"/>
+                <a:cs typeface="CMU Serif Roman" panose="02000603000000000000" pitchFamily="2" charset="0"/>
+              </a:rPr>
+              <a:t>Lead optimisation with alchemical free energy calculations</a:t>
+            </a:r>
+          </a:p>
+        </p:txBody>
+      </p:sp>
     </p:spTree>
     <p:extLst>
       <p:ext uri="{BB962C8B-B14F-4D97-AF65-F5344CB8AC3E}">

--- a/plots/drug_discovery.pptx
+++ b/plots/drug_discovery.pptx
@@ -106,18 +106,7 @@
   </p:defaultTextStyle>
   <p:extLst>
     <p:ext uri="{EFAFB233-063F-42B5-8137-9DF3F51BA10A}">
-      <p15:sldGuideLst xmlns:p15="http://schemas.microsoft.com/office/powerpoint/2012/main">
-        <p15:guide id="1" orient="horz" pos="2160" userDrawn="1">
-          <p15:clr>
-            <a:srgbClr val="A4A3A4"/>
-          </p15:clr>
-        </p15:guide>
-        <p15:guide id="2" pos="3840" userDrawn="1">
-          <p15:clr>
-            <a:srgbClr val="A4A3A4"/>
-          </p15:clr>
-        </p15:guide>
-      </p15:sldGuideLst>
+      <p15:sldGuideLst xmlns:p15="http://schemas.microsoft.com/office/powerpoint/2012/main"/>
     </p:ext>
   </p:extLst>
 </p:presentation>
